--- a/slides/Slides - relatorio1.pptx
+++ b/slides/Slides - relatorio1.pptx
@@ -7,10 +7,18 @@
   <p:sldIdLst>
     <p:sldId id="256" r:id="rId5"/>
     <p:sldId id="259" r:id="rId6"/>
-    <p:sldId id="261" r:id="rId7"/>
-    <p:sldId id="257" r:id="rId8"/>
-    <p:sldId id="260" r:id="rId9"/>
-    <p:sldId id="258" r:id="rId10"/>
+    <p:sldId id="264" r:id="rId7"/>
+    <p:sldId id="265" r:id="rId8"/>
+    <p:sldId id="263" r:id="rId9"/>
+    <p:sldId id="262" r:id="rId10"/>
+    <p:sldId id="261" r:id="rId11"/>
+    <p:sldId id="266" r:id="rId12"/>
+    <p:sldId id="269" r:id="rId13"/>
+    <p:sldId id="267" r:id="rId14"/>
+    <p:sldId id="268" r:id="rId15"/>
+    <p:sldId id="270" r:id="rId16"/>
+    <p:sldId id="271" r:id="rId17"/>
+    <p:sldId id="258" r:id="rId18"/>
   </p:sldIdLst>
   <p:sldSz cx="12192000" cy="6858000"/>
   <p:notesSz cx="6858000" cy="9144000"/>
@@ -318,7 +326,7 @@
           <a:p>
             <a:fld id="{F966CB30-D690-4BA2-9FF3-04957D37DD35}" type="datetimeFigureOut">
               <a:rPr lang="pt-BR" smtClean="0"/>
-              <a:t>14/03/2023</a:t>
+              <a:t>08/08/2023</a:t>
             </a:fld>
             <a:endParaRPr lang="pt-BR"/>
           </a:p>
@@ -516,7 +524,7 @@
           <a:p>
             <a:fld id="{F966CB30-D690-4BA2-9FF3-04957D37DD35}" type="datetimeFigureOut">
               <a:rPr lang="pt-BR" smtClean="0"/>
-              <a:t>14/03/2023</a:t>
+              <a:t>08/08/2023</a:t>
             </a:fld>
             <a:endParaRPr lang="pt-BR"/>
           </a:p>
@@ -724,7 +732,7 @@
           <a:p>
             <a:fld id="{F966CB30-D690-4BA2-9FF3-04957D37DD35}" type="datetimeFigureOut">
               <a:rPr lang="pt-BR" smtClean="0"/>
-              <a:t>14/03/2023</a:t>
+              <a:t>08/08/2023</a:t>
             </a:fld>
             <a:endParaRPr lang="pt-BR"/>
           </a:p>
@@ -922,7 +930,7 @@
           <a:p>
             <a:fld id="{F966CB30-D690-4BA2-9FF3-04957D37DD35}" type="datetimeFigureOut">
               <a:rPr lang="pt-BR" smtClean="0"/>
-              <a:t>14/03/2023</a:t>
+              <a:t>08/08/2023</a:t>
             </a:fld>
             <a:endParaRPr lang="pt-BR"/>
           </a:p>
@@ -1197,7 +1205,7 @@
           <a:p>
             <a:fld id="{F966CB30-D690-4BA2-9FF3-04957D37DD35}" type="datetimeFigureOut">
               <a:rPr lang="pt-BR" smtClean="0"/>
-              <a:t>14/03/2023</a:t>
+              <a:t>08/08/2023</a:t>
             </a:fld>
             <a:endParaRPr lang="pt-BR"/>
           </a:p>
@@ -1462,7 +1470,7 @@
           <a:p>
             <a:fld id="{F966CB30-D690-4BA2-9FF3-04957D37DD35}" type="datetimeFigureOut">
               <a:rPr lang="pt-BR" smtClean="0"/>
-              <a:t>14/03/2023</a:t>
+              <a:t>08/08/2023</a:t>
             </a:fld>
             <a:endParaRPr lang="pt-BR"/>
           </a:p>
@@ -1874,7 +1882,7 @@
           <a:p>
             <a:fld id="{F966CB30-D690-4BA2-9FF3-04957D37DD35}" type="datetimeFigureOut">
               <a:rPr lang="pt-BR" smtClean="0"/>
-              <a:t>14/03/2023</a:t>
+              <a:t>08/08/2023</a:t>
             </a:fld>
             <a:endParaRPr lang="pt-BR"/>
           </a:p>
@@ -2015,7 +2023,7 @@
           <a:p>
             <a:fld id="{F966CB30-D690-4BA2-9FF3-04957D37DD35}" type="datetimeFigureOut">
               <a:rPr lang="pt-BR" smtClean="0"/>
-              <a:t>14/03/2023</a:t>
+              <a:t>08/08/2023</a:t>
             </a:fld>
             <a:endParaRPr lang="pt-BR"/>
           </a:p>
@@ -2128,7 +2136,7 @@
           <a:p>
             <a:fld id="{F966CB30-D690-4BA2-9FF3-04957D37DD35}" type="datetimeFigureOut">
               <a:rPr lang="pt-BR" smtClean="0"/>
-              <a:t>14/03/2023</a:t>
+              <a:t>08/08/2023</a:t>
             </a:fld>
             <a:endParaRPr lang="pt-BR"/>
           </a:p>
@@ -2439,7 +2447,7 @@
           <a:p>
             <a:fld id="{F966CB30-D690-4BA2-9FF3-04957D37DD35}" type="datetimeFigureOut">
               <a:rPr lang="pt-BR" smtClean="0"/>
-              <a:t>14/03/2023</a:t>
+              <a:t>08/08/2023</a:t>
             </a:fld>
             <a:endParaRPr lang="pt-BR"/>
           </a:p>
@@ -2727,7 +2735,7 @@
           <a:p>
             <a:fld id="{F966CB30-D690-4BA2-9FF3-04957D37DD35}" type="datetimeFigureOut">
               <a:rPr lang="pt-BR" smtClean="0"/>
-              <a:t>14/03/2023</a:t>
+              <a:t>08/08/2023</a:t>
             </a:fld>
             <a:endParaRPr lang="pt-BR"/>
           </a:p>
@@ -2968,7 +2976,7 @@
           <a:p>
             <a:fld id="{F966CB30-D690-4BA2-9FF3-04957D37DD35}" type="datetimeFigureOut">
               <a:rPr lang="pt-BR" smtClean="0"/>
-              <a:t>14/03/2023</a:t>
+              <a:t>08/08/2023</a:t>
             </a:fld>
             <a:endParaRPr lang="pt-BR"/>
           </a:p>
@@ -3485,8 +3493,21 @@
                   <a:schemeClr val="bg1"/>
                 </a:solidFill>
               </a:rPr>
-              <a:t>Aqui deve ser inserido o Título do vídeo</a:t>
-            </a:r>
+              <a:t>Publicação de relatórios </a:t>
+            </a:r>
+            <a:r>
+              <a:rPr lang="pt-BR" sz="3200" dirty="0" err="1">
+                <a:solidFill>
+                  <a:schemeClr val="bg1"/>
+                </a:solidFill>
+              </a:rPr>
+              <a:t>jurimétricos</a:t>
+            </a:r>
+            <a:endParaRPr lang="pt-BR" sz="3200" dirty="0">
+              <a:solidFill>
+                <a:schemeClr val="bg1"/>
+              </a:solidFill>
+            </a:endParaRPr>
           </a:p>
         </p:txBody>
       </p:sp>
@@ -3503,7 +3524,7 @@
 </p:sld>
 </file>
 
-<file path=ppt/slides/slide2.xml><?xml version="1.0" encoding="utf-8"?>
+<file path=ppt/slides/slide10.xml><?xml version="1.0" encoding="utf-8"?>
 <p:sld xmlns:a="http://schemas.openxmlformats.org/drawingml/2006/main" xmlns:r="http://schemas.openxmlformats.org/officeDocument/2006/relationships" xmlns:p="http://schemas.openxmlformats.org/presentationml/2006/main">
   <p:cSld>
     <p:bg>
@@ -3563,19 +3584,40 @@
           <a:lstStyle/>
           <a:p>
             <a:r>
-              <a:rPr lang="pt-BR" sz="1800" b="1" dirty="0">
+              <a:rPr lang="en-US" sz="1800" b="1" dirty="0" err="1">
                 <a:effectLst/>
                 <a:latin typeface="Calibri" panose="020F0502020204030204" pitchFamily="34" charset="0"/>
                 <a:ea typeface="Times New Roman" panose="02020603050405020304" pitchFamily="18" charset="0"/>
                 <a:cs typeface="Times New Roman" panose="02020603050405020304" pitchFamily="18" charset="0"/>
               </a:rPr>
-              <a:t>Noções básicas de transferência de dados pela internet</a:t>
-            </a:r>
-            <a:r>
-              <a:rPr lang="en-BR" dirty="0">
+              <a:t>Introdução</a:t>
+            </a:r>
+            <a:r>
+              <a:rPr lang="en-US" sz="1800" b="1" dirty="0">
                 <a:effectLst/>
+                <a:latin typeface="Calibri" panose="020F0502020204030204" pitchFamily="34" charset="0"/>
+                <a:ea typeface="Times New Roman" panose="02020603050405020304" pitchFamily="18" charset="0"/>
+                <a:cs typeface="Times New Roman" panose="02020603050405020304" pitchFamily="18" charset="0"/>
               </a:rPr>
               <a:t> </a:t>
+            </a:r>
+            <a:r>
+              <a:rPr lang="en-US" sz="1800" b="1" dirty="0" err="1">
+                <a:effectLst/>
+                <a:latin typeface="Calibri" panose="020F0502020204030204" pitchFamily="34" charset="0"/>
+                <a:ea typeface="Times New Roman" panose="02020603050405020304" pitchFamily="18" charset="0"/>
+                <a:cs typeface="Times New Roman" panose="02020603050405020304" pitchFamily="18" charset="0"/>
+              </a:rPr>
+              <a:t>ao</a:t>
+            </a:r>
+            <a:r>
+              <a:rPr lang="en-US" sz="1800" b="1" dirty="0">
+                <a:effectLst/>
+                <a:latin typeface="Calibri" panose="020F0502020204030204" pitchFamily="34" charset="0"/>
+                <a:ea typeface="Times New Roman" panose="02020603050405020304" pitchFamily="18" charset="0"/>
+                <a:cs typeface="Times New Roman" panose="02020603050405020304" pitchFamily="18" charset="0"/>
+              </a:rPr>
+              <a:t> Quarto</a:t>
             </a:r>
             <a:endParaRPr lang="pt-BR" dirty="0">
               <a:solidFill>
@@ -3622,7 +3664,7 @@
                   <a:srgbClr val="F89D52"/>
                 </a:solidFill>
               </a:rPr>
-              <a:t>Introdução à internet</a:t>
+              <a:t>Visão geral: Formatos</a:t>
             </a:r>
           </a:p>
         </p:txBody>
@@ -3642,7 +3684,7 @@
         <p:spPr>
           <a:xfrm>
             <a:off x="1485900" y="2057400"/>
-            <a:ext cx="7972425" cy="2862322"/>
+            <a:ext cx="7563507" cy="1200329"/>
           </a:xfrm>
           <a:prstGeom prst="rect">
             <a:avLst/>
@@ -3655,31 +3697,13 @@
           </a:bodyPr>
           <a:lstStyle/>
           <a:p>
-            <a:r>
-              <a:rPr lang="en-BR" dirty="0"/>
-              <a:t>Internet é a rede mundial de computadores interligados de modo a permitir o acesso por um computador local a informações em outro computador remoto. O local é chamado de cliente, o remoto é chamado de hóspede ou servidor. </a:t>
-            </a:r>
-          </a:p>
-          <a:p>
-            <a:endParaRPr lang="en-BR" dirty="0"/>
-          </a:p>
-          <a:p>
-            <a:r>
-              <a:rPr lang="en-BR" dirty="0"/>
-              <a:t>Exemplos:</a:t>
-            </a:r>
-          </a:p>
-          <a:p>
-            <a:endParaRPr lang="en-BR" dirty="0"/>
-          </a:p>
-          <a:p>
             <a:pPr marL="285750" indent="-285750">
               <a:buFont typeface="Arial" panose="020B0604020202020204" pitchFamily="34" charset="0"/>
               <a:buChar char="•"/>
             </a:pPr>
             <a:r>
-              <a:rPr lang="en-BR" dirty="0"/>
-              <a:t>Acesso a uma página de um tribunal</a:t>
+              <a:rPr lang="en-US" dirty="0"/>
+              <a:t>HTML</a:t>
             </a:r>
           </a:p>
           <a:p>
@@ -3688,8 +3712,8 @@
               <a:buChar char="•"/>
             </a:pPr>
             <a:r>
-              <a:rPr lang="en-BR" dirty="0"/>
-              <a:t>Troca de emails entre pessoas</a:t>
+              <a:rPr lang="en-US" dirty="0"/>
+              <a:t>PDF</a:t>
             </a:r>
           </a:p>
           <a:p>
@@ -3698,8 +3722,8 @@
               <a:buChar char="•"/>
             </a:pPr>
             <a:r>
-              <a:rPr lang="en-BR" dirty="0"/>
-              <a:t>Transferência de arquivos</a:t>
+              <a:rPr lang="en-US" dirty="0"/>
+              <a:t>Word</a:t>
             </a:r>
           </a:p>
           <a:p>
@@ -3708,16 +3732,17 @@
               <a:buChar char="•"/>
             </a:pPr>
             <a:r>
-              <a:rPr lang="en-BR" dirty="0"/>
-              <a:t>Chamada de voz </a:t>
-            </a:r>
+              <a:rPr lang="en-US" dirty="0" err="1"/>
+              <a:t>Revealjs</a:t>
+            </a:r>
+            <a:endParaRPr lang="en-US" dirty="0"/>
           </a:p>
         </p:txBody>
       </p:sp>
     </p:spTree>
     <p:extLst>
       <p:ext uri="{BB962C8B-B14F-4D97-AF65-F5344CB8AC3E}">
-        <p14:creationId xmlns:p14="http://schemas.microsoft.com/office/powerpoint/2010/main" val="2390044990"/>
+        <p14:creationId xmlns:p14="http://schemas.microsoft.com/office/powerpoint/2010/main" val="4201739441"/>
       </p:ext>
     </p:extLst>
   </p:cSld>
@@ -3727,7 +3752,7 @@
 </p:sld>
 </file>
 
-<file path=ppt/slides/slide3.xml><?xml version="1.0" encoding="utf-8"?>
+<file path=ppt/slides/slide11.xml><?xml version="1.0" encoding="utf-8"?>
 <p:sld xmlns:a="http://schemas.openxmlformats.org/drawingml/2006/main" xmlns:r="http://schemas.openxmlformats.org/officeDocument/2006/relationships" xmlns:p="http://schemas.openxmlformats.org/presentationml/2006/main">
   <p:cSld>
     <p:bg>
@@ -3787,19 +3812,40 @@
           <a:lstStyle/>
           <a:p>
             <a:r>
-              <a:rPr lang="pt-BR" sz="1800" b="1" dirty="0">
+              <a:rPr lang="en-US" sz="1800" b="1" dirty="0" err="1">
                 <a:effectLst/>
                 <a:latin typeface="Calibri" panose="020F0502020204030204" pitchFamily="34" charset="0"/>
                 <a:ea typeface="Times New Roman" panose="02020603050405020304" pitchFamily="18" charset="0"/>
                 <a:cs typeface="Times New Roman" panose="02020603050405020304" pitchFamily="18" charset="0"/>
               </a:rPr>
-              <a:t>Noções básicas de transferência de dados pela internet</a:t>
-            </a:r>
-            <a:r>
-              <a:rPr lang="en-BR" dirty="0">
+              <a:t>Introdução</a:t>
+            </a:r>
+            <a:r>
+              <a:rPr lang="en-US" sz="1800" b="1" dirty="0">
                 <a:effectLst/>
+                <a:latin typeface="Calibri" panose="020F0502020204030204" pitchFamily="34" charset="0"/>
+                <a:ea typeface="Times New Roman" panose="02020603050405020304" pitchFamily="18" charset="0"/>
+                <a:cs typeface="Times New Roman" panose="02020603050405020304" pitchFamily="18" charset="0"/>
               </a:rPr>
               <a:t> </a:t>
+            </a:r>
+            <a:r>
+              <a:rPr lang="en-US" sz="1800" b="1" dirty="0" err="1">
+                <a:effectLst/>
+                <a:latin typeface="Calibri" panose="020F0502020204030204" pitchFamily="34" charset="0"/>
+                <a:ea typeface="Times New Roman" panose="02020603050405020304" pitchFamily="18" charset="0"/>
+                <a:cs typeface="Times New Roman" panose="02020603050405020304" pitchFamily="18" charset="0"/>
+              </a:rPr>
+              <a:t>ao</a:t>
+            </a:r>
+            <a:r>
+              <a:rPr lang="en-US" sz="1800" b="1" dirty="0">
+                <a:effectLst/>
+                <a:latin typeface="Calibri" panose="020F0502020204030204" pitchFamily="34" charset="0"/>
+                <a:ea typeface="Times New Roman" panose="02020603050405020304" pitchFamily="18" charset="0"/>
+                <a:cs typeface="Times New Roman" panose="02020603050405020304" pitchFamily="18" charset="0"/>
+              </a:rPr>
+              <a:t> Quarto</a:t>
             </a:r>
             <a:endParaRPr lang="pt-BR" dirty="0">
               <a:solidFill>
@@ -3846,14 +3892,28 @@
                   <a:srgbClr val="F89D52"/>
                 </a:solidFill>
               </a:rPr>
-              <a:t>Introdução à internet</a:t>
-            </a:r>
+              <a:t>Básico de </a:t>
+            </a:r>
+            <a:r>
+              <a:rPr lang="pt-BR" sz="2400" b="1" dirty="0" err="1">
+                <a:solidFill>
+                  <a:srgbClr val="F89D52"/>
+                </a:solidFill>
+              </a:rPr>
+              <a:t>html</a:t>
+            </a:r>
+            <a:endParaRPr lang="pt-BR" sz="2400" b="1" dirty="0">
+              <a:solidFill>
+                <a:srgbClr val="F89D52"/>
+              </a:solidFill>
+            </a:endParaRPr>
           </a:p>
         </p:txBody>
       </p:sp>
       <p:sp>
         <p:nvSpPr>
           <p:cNvPr id="2" name="TextBox 1">
+            <a:hlinkClick r:id="rId3"/>
             <a:extLst>
               <a:ext uri="{FF2B5EF4-FFF2-40B4-BE49-F238E27FC236}">
                 <a16:creationId xmlns:a16="http://schemas.microsoft.com/office/drawing/2014/main" id="{1EAAEE1C-0FB2-12C9-7086-22A935013475}"/>
@@ -3866,7 +3926,7 @@
         <p:spPr>
           <a:xfrm>
             <a:off x="1485900" y="2057400"/>
-            <a:ext cx="5558829" cy="1754326"/>
+            <a:ext cx="7563507" cy="646331"/>
           </a:xfrm>
           <a:prstGeom prst="rect">
             <a:avLst/>
@@ -3874,107 +3934,46 @@
           <a:noFill/>
         </p:spPr>
         <p:txBody>
-          <a:bodyPr wrap="none" rtlCol="0">
+          <a:bodyPr wrap="square" rtlCol="0">
             <a:spAutoFit/>
           </a:bodyPr>
           <a:lstStyle/>
           <a:p>
-            <a:pPr marL="285750" indent="-285750">
-              <a:buFont typeface="Arial" panose="020B0604020202020204" pitchFamily="34" charset="0"/>
-              <a:buChar char="•"/>
-            </a:pPr>
-            <a:r>
-              <a:rPr lang="en-BR" dirty="0"/>
-              <a:t>Internet vs www</a:t>
-            </a:r>
-          </a:p>
-          <a:p>
-            <a:pPr marL="285750" indent="-285750">
-              <a:buFont typeface="Arial" panose="020B0604020202020204" pitchFamily="34" charset="0"/>
-              <a:buChar char="•"/>
-            </a:pPr>
-            <a:r>
-              <a:rPr lang="en-US" dirty="0"/>
-              <a:t>Internet e </a:t>
-            </a:r>
-            <a:r>
-              <a:rPr lang="en-US" dirty="0" err="1"/>
-              <a:t>transferência</a:t>
-            </a:r>
-            <a:r>
-              <a:rPr lang="en-US" dirty="0"/>
-              <a:t> de dados entre </a:t>
-            </a:r>
-            <a:r>
-              <a:rPr lang="en-US" dirty="0" err="1"/>
-              <a:t>computadores</a:t>
+            <a:r>
+              <a:rPr lang="en-US" dirty="0">
+                <a:hlinkClick r:id="rId3"/>
+              </a:rPr>
+              <a:t>Básico de html</a:t>
             </a:r>
             <a:endParaRPr lang="en-US" dirty="0"/>
           </a:p>
           <a:p>
-            <a:pPr marL="285750" indent="-285750">
-              <a:buFont typeface="Arial" panose="020B0604020202020204" pitchFamily="34" charset="0"/>
-              <a:buChar char="•"/>
-            </a:pPr>
-            <a:r>
-              <a:rPr lang="en-US" dirty="0"/>
-              <a:t>APIs</a:t>
-            </a:r>
-          </a:p>
-          <a:p>
-            <a:pPr marL="285750" indent="-285750">
-              <a:buFont typeface="Arial" panose="020B0604020202020204" pitchFamily="34" charset="0"/>
-              <a:buChar char="•"/>
-            </a:pPr>
-            <a:r>
-              <a:rPr lang="en-US" dirty="0"/>
-              <a:t>O </a:t>
-            </a:r>
-            <a:r>
-              <a:rPr lang="en-US" dirty="0" err="1"/>
-              <a:t>protocolo</a:t>
-            </a:r>
-            <a:r>
-              <a:rPr lang="en-US" dirty="0"/>
-              <a:t> http</a:t>
-            </a:r>
-          </a:p>
-          <a:p>
-            <a:pPr marL="285750" indent="-285750">
-              <a:buFont typeface="Arial" panose="020B0604020202020204" pitchFamily="34" charset="0"/>
-              <a:buChar char="•"/>
-            </a:pPr>
-            <a:r>
-              <a:rPr lang="en-US" dirty="0"/>
-              <a:t>Outros </a:t>
-            </a:r>
-            <a:r>
-              <a:rPr lang="en-US" dirty="0" err="1"/>
-              <a:t>protocolos</a:t>
-            </a:r>
-            <a:r>
-              <a:rPr lang="en-US" dirty="0"/>
-              <a:t>: ftp, file, data, </a:t>
-            </a:r>
-            <a:r>
-              <a:rPr lang="en-US" dirty="0" err="1"/>
-              <a:t>mailto</a:t>
+            <a:r>
+              <a:rPr lang="en-US" dirty="0" err="1">
+                <a:hlinkClick r:id="rId4"/>
+              </a:rPr>
+              <a:t>Outras</a:t>
+            </a:r>
+            <a:r>
+              <a:rPr lang="en-US" dirty="0">
+                <a:hlinkClick r:id="rId4"/>
+              </a:rPr>
+              <a:t> </a:t>
+            </a:r>
+            <a:r>
+              <a:rPr lang="en-US" dirty="0" err="1">
+                <a:hlinkClick r:id="rId4"/>
+              </a:rPr>
+              <a:t>opções</a:t>
             </a:r>
             <a:endParaRPr lang="en-US" dirty="0"/>
-          </a:p>
-          <a:p>
-            <a:pPr marL="285750" indent="-285750">
-              <a:buFont typeface="Arial" panose="020B0604020202020204" pitchFamily="34" charset="0"/>
-              <a:buChar char="•"/>
-            </a:pPr>
-            <a:endParaRPr lang="en-BR" dirty="0"/>
           </a:p>
         </p:txBody>
       </p:sp>
     </p:spTree>
     <p:extLst>
       <p:ext uri="{BB962C8B-B14F-4D97-AF65-F5344CB8AC3E}">
-        <p14:creationId xmlns:p14="http://schemas.microsoft.com/office/powerpoint/2010/main" val="2030973871"/>
+        <p14:creationId xmlns:p14="http://schemas.microsoft.com/office/powerpoint/2010/main" val="2089746829"/>
       </p:ext>
     </p:extLst>
   </p:cSld>
@@ -3984,7 +3983,7 @@
 </p:sld>
 </file>
 
-<file path=ppt/slides/slide4.xml><?xml version="1.0" encoding="utf-8"?>
+<file path=ppt/slides/slide12.xml><?xml version="1.0" encoding="utf-8"?>
 <p:sld xmlns:a="http://schemas.openxmlformats.org/drawingml/2006/main" xmlns:r="http://schemas.openxmlformats.org/officeDocument/2006/relationships" xmlns:p="http://schemas.openxmlformats.org/presentationml/2006/main">
   <p:cSld>
     <p:bg>
@@ -4044,19 +4043,40 @@
           <a:lstStyle/>
           <a:p>
             <a:r>
-              <a:rPr lang="pt-BR" sz="1800" b="1" dirty="0">
+              <a:rPr lang="en-US" sz="1800" b="1" dirty="0" err="1">
                 <a:effectLst/>
                 <a:latin typeface="Calibri" panose="020F0502020204030204" pitchFamily="34" charset="0"/>
                 <a:ea typeface="Times New Roman" panose="02020603050405020304" pitchFamily="18" charset="0"/>
                 <a:cs typeface="Times New Roman" panose="02020603050405020304" pitchFamily="18" charset="0"/>
               </a:rPr>
-              <a:t>Noções básicas de transferência de dados pela internet</a:t>
-            </a:r>
-            <a:r>
-              <a:rPr lang="en-BR" dirty="0">
+              <a:t>Introdução</a:t>
+            </a:r>
+            <a:r>
+              <a:rPr lang="en-US" sz="1800" b="1" dirty="0">
                 <a:effectLst/>
+                <a:latin typeface="Calibri" panose="020F0502020204030204" pitchFamily="34" charset="0"/>
+                <a:ea typeface="Times New Roman" panose="02020603050405020304" pitchFamily="18" charset="0"/>
+                <a:cs typeface="Times New Roman" panose="02020603050405020304" pitchFamily="18" charset="0"/>
               </a:rPr>
               <a:t> </a:t>
+            </a:r>
+            <a:r>
+              <a:rPr lang="en-US" sz="1800" b="1" dirty="0" err="1">
+                <a:effectLst/>
+                <a:latin typeface="Calibri" panose="020F0502020204030204" pitchFamily="34" charset="0"/>
+                <a:ea typeface="Times New Roman" panose="02020603050405020304" pitchFamily="18" charset="0"/>
+                <a:cs typeface="Times New Roman" panose="02020603050405020304" pitchFamily="18" charset="0"/>
+              </a:rPr>
+              <a:t>ao</a:t>
+            </a:r>
+            <a:r>
+              <a:rPr lang="en-US" sz="1800" b="1" dirty="0">
+                <a:effectLst/>
+                <a:latin typeface="Calibri" panose="020F0502020204030204" pitchFamily="34" charset="0"/>
+                <a:ea typeface="Times New Roman" panose="02020603050405020304" pitchFamily="18" charset="0"/>
+                <a:cs typeface="Times New Roman" panose="02020603050405020304" pitchFamily="18" charset="0"/>
+              </a:rPr>
+              <a:t> Quarto</a:t>
             </a:r>
             <a:endParaRPr lang="pt-BR" dirty="0">
               <a:solidFill>
@@ -4071,10 +4091,10 @@
       </p:sp>
       <p:sp>
         <p:nvSpPr>
-          <p:cNvPr id="7" name="CaixaDeTexto 6">
-            <a:extLst>
-              <a:ext uri="{FF2B5EF4-FFF2-40B4-BE49-F238E27FC236}">
-                <a16:creationId xmlns:a16="http://schemas.microsoft.com/office/drawing/2014/main" id="{3AA1753B-D45D-4EAF-BED2-C9430BB93F04}"/>
+          <p:cNvPr id="5" name="CaixaDeTexto 4">
+            <a:extLst>
+              <a:ext uri="{FF2B5EF4-FFF2-40B4-BE49-F238E27FC236}">
+                <a16:creationId xmlns:a16="http://schemas.microsoft.com/office/drawing/2014/main" id="{B11EBF32-53A2-4AA0-81E0-813E34CFC691}"/>
               </a:ext>
             </a:extLst>
           </p:cNvPr>
@@ -4103,17 +4123,31 @@
                   <a:srgbClr val="F89D52"/>
                 </a:solidFill>
               </a:rPr>
-              <a:t>Inspeção de uma página web</a:t>
-            </a:r>
-          </a:p>
-        </p:txBody>
-      </p:sp>
-      <p:sp>
-        <p:nvSpPr>
-          <p:cNvPr id="8" name="CaixaDeTexto 7">
-            <a:extLst>
-              <a:ext uri="{FF2B5EF4-FFF2-40B4-BE49-F238E27FC236}">
-                <a16:creationId xmlns:a16="http://schemas.microsoft.com/office/drawing/2014/main" id="{21D389E7-D048-49F7-999C-379D45B72EBF}"/>
+              <a:t>Básico de </a:t>
+            </a:r>
+            <a:r>
+              <a:rPr lang="pt-BR" sz="2400" b="1" dirty="0" err="1">
+                <a:solidFill>
+                  <a:srgbClr val="F89D52"/>
+                </a:solidFill>
+              </a:rPr>
+              <a:t>pdf</a:t>
+            </a:r>
+            <a:endParaRPr lang="pt-BR" sz="2400" b="1" dirty="0">
+              <a:solidFill>
+                <a:srgbClr val="F89D52"/>
+              </a:solidFill>
+            </a:endParaRPr>
+          </a:p>
+        </p:txBody>
+      </p:sp>
+      <p:sp>
+        <p:nvSpPr>
+          <p:cNvPr id="2" name="TextBox 1">
+            <a:hlinkClick r:id="rId3"/>
+            <a:extLst>
+              <a:ext uri="{FF2B5EF4-FFF2-40B4-BE49-F238E27FC236}">
+                <a16:creationId xmlns:a16="http://schemas.microsoft.com/office/drawing/2014/main" id="{1EAAEE1C-0FB2-12C9-7086-22A935013475}"/>
               </a:ext>
             </a:extLst>
           </p:cNvPr>
@@ -4122,8 +4156,8 @@
         </p:nvSpPr>
         <p:spPr>
           <a:xfrm>
-            <a:off x="857249" y="1581627"/>
-            <a:ext cx="10487025" cy="3170099"/>
+            <a:off x="1485900" y="2057400"/>
+            <a:ext cx="7563507" cy="646331"/>
           </a:xfrm>
           <a:prstGeom prst="rect">
             <a:avLst/>
@@ -4136,122 +4170,29 @@
           </a:bodyPr>
           <a:lstStyle/>
           <a:p>
-            <a:pPr marL="342900" indent="-342900">
-              <a:buFont typeface="Arial" panose="020B0604020202020204" pitchFamily="34" charset="0"/>
-              <a:buChar char="•"/>
-            </a:pPr>
-            <a:r>
-              <a:rPr lang="pt-BR" sz="2000" dirty="0"/>
-              <a:t>Exemplo: inspeção da página de </a:t>
-            </a:r>
-            <a:r>
-              <a:rPr lang="pt-BR" sz="2000" dirty="0">
-                <a:hlinkClick r:id="rId3"/>
-              </a:rPr>
-              <a:t>consulta de julgados do </a:t>
-            </a:r>
-            <a:r>
-              <a:rPr lang="pt-BR" sz="2000" dirty="0" err="1">
-                <a:hlinkClick r:id="rId3"/>
-              </a:rPr>
-              <a:t>tjsp</a:t>
-            </a:r>
-            <a:endParaRPr lang="pt-BR" sz="2000" dirty="0"/>
-          </a:p>
-          <a:p>
-            <a:pPr marL="342900" indent="-342900">
-              <a:buFont typeface="Arial" panose="020B0604020202020204" pitchFamily="34" charset="0"/>
-              <a:buChar char="•"/>
-            </a:pPr>
-            <a:r>
-              <a:rPr lang="pt-BR" sz="2000" dirty="0"/>
-              <a:t>Visualização da fonte da página</a:t>
-            </a:r>
-          </a:p>
-          <a:p>
-            <a:pPr marL="342900" indent="-342900">
-              <a:buFont typeface="Arial" panose="020B0604020202020204" pitchFamily="34" charset="0"/>
-              <a:buChar char="•"/>
-            </a:pPr>
-            <a:r>
-              <a:rPr lang="pt-BR" sz="2000" dirty="0"/>
-              <a:t>Inspetor</a:t>
-            </a:r>
-          </a:p>
-          <a:p>
-            <a:pPr marL="342900" indent="-342900">
-              <a:buFont typeface="Arial" panose="020B0604020202020204" pitchFamily="34" charset="0"/>
-              <a:buChar char="•"/>
-            </a:pPr>
-            <a:r>
-              <a:rPr lang="pt-BR" sz="2000" dirty="0"/>
-              <a:t>Network e </a:t>
-            </a:r>
-            <a:r>
-              <a:rPr lang="pt-BR" sz="2000" dirty="0" err="1"/>
-              <a:t>Headers</a:t>
-            </a:r>
-            <a:endParaRPr lang="pt-BR" sz="2000" dirty="0"/>
-          </a:p>
-          <a:p>
-            <a:pPr marL="800100" lvl="1" indent="-342900">
-              <a:buFont typeface="Arial" panose="020B0604020202020204" pitchFamily="34" charset="0"/>
-              <a:buChar char="•"/>
-            </a:pPr>
-            <a:r>
-              <a:rPr lang="pt-BR" sz="2000" dirty="0"/>
-              <a:t>URL</a:t>
-            </a:r>
-          </a:p>
-          <a:p>
-            <a:pPr marL="800100" lvl="1" indent="-342900">
-              <a:buFont typeface="Arial" panose="020B0604020202020204" pitchFamily="34" charset="0"/>
-              <a:buChar char="•"/>
-            </a:pPr>
-            <a:r>
-              <a:rPr lang="pt-BR" sz="2000" dirty="0"/>
-              <a:t>Status</a:t>
-            </a:r>
-          </a:p>
-          <a:p>
-            <a:pPr marL="800100" lvl="1" indent="-342900">
-              <a:buFont typeface="Arial" panose="020B0604020202020204" pitchFamily="34" charset="0"/>
-              <a:buChar char="•"/>
-            </a:pPr>
-            <a:r>
-              <a:rPr lang="pt-BR" sz="2000" dirty="0"/>
-              <a:t>Tamanho</a:t>
-            </a:r>
-          </a:p>
-          <a:p>
-            <a:pPr marL="800100" lvl="1" indent="-342900">
-              <a:buFont typeface="Arial" panose="020B0604020202020204" pitchFamily="34" charset="0"/>
-              <a:buChar char="•"/>
-            </a:pPr>
-            <a:r>
-              <a:rPr lang="pt-BR" sz="2000" dirty="0"/>
-              <a:t>Parâmetros de requisição</a:t>
-            </a:r>
-          </a:p>
-          <a:p>
-            <a:pPr marL="800100" lvl="1" indent="-342900">
-              <a:buFont typeface="Arial" panose="020B0604020202020204" pitchFamily="34" charset="0"/>
-              <a:buChar char="•"/>
-            </a:pPr>
-            <a:r>
-              <a:rPr lang="pt-BR" sz="2000" dirty="0"/>
-              <a:t>Parâmetros de resposta</a:t>
-            </a:r>
-          </a:p>
-          <a:p>
-            <a:endParaRPr lang="pt-BR" sz="2000" dirty="0"/>
+            <a:r>
+              <a:rPr lang="en-US" dirty="0">
+                <a:hlinkClick r:id="rId4"/>
+              </a:rPr>
+              <a:t>Básico de pdf</a:t>
+            </a:r>
+            <a:endParaRPr lang="en-US" dirty="0"/>
+          </a:p>
+          <a:p>
+            <a:r>
+              <a:rPr lang="en-US" dirty="0">
+                <a:hlinkClick r:id="rId5"/>
+              </a:rPr>
+              <a:t>Outras opções</a:t>
+            </a:r>
+            <a:endParaRPr lang="en-US" dirty="0"/>
           </a:p>
         </p:txBody>
       </p:sp>
     </p:spTree>
     <p:extLst>
       <p:ext uri="{BB962C8B-B14F-4D97-AF65-F5344CB8AC3E}">
-        <p14:creationId xmlns:p14="http://schemas.microsoft.com/office/powerpoint/2010/main" val="23730496"/>
+        <p14:creationId xmlns:p14="http://schemas.microsoft.com/office/powerpoint/2010/main" val="3488361600"/>
       </p:ext>
     </p:extLst>
   </p:cSld>
@@ -4261,7 +4202,7 @@
 </p:sld>
 </file>
 
-<file path=ppt/slides/slide5.xml><?xml version="1.0" encoding="utf-8"?>
+<file path=ppt/slides/slide13.xml><?xml version="1.0" encoding="utf-8"?>
 <p:sld xmlns:a="http://schemas.openxmlformats.org/drawingml/2006/main" xmlns:r="http://schemas.openxmlformats.org/officeDocument/2006/relationships" xmlns:p="http://schemas.openxmlformats.org/presentationml/2006/main">
   <p:cSld>
     <p:bg>
@@ -4321,19 +4262,40 @@
           <a:lstStyle/>
           <a:p>
             <a:r>
-              <a:rPr lang="pt-BR" sz="1800" b="1" dirty="0">
+              <a:rPr lang="en-US" sz="1800" b="1" dirty="0" err="1">
                 <a:effectLst/>
                 <a:latin typeface="Calibri" panose="020F0502020204030204" pitchFamily="34" charset="0"/>
                 <a:ea typeface="Times New Roman" panose="02020603050405020304" pitchFamily="18" charset="0"/>
                 <a:cs typeface="Times New Roman" panose="02020603050405020304" pitchFamily="18" charset="0"/>
               </a:rPr>
-              <a:t>Noções básicas de transferência de dados pela internet</a:t>
-            </a:r>
-            <a:r>
-              <a:rPr lang="en-BR" dirty="0">
+              <a:t>Introdução</a:t>
+            </a:r>
+            <a:r>
+              <a:rPr lang="en-US" sz="1800" b="1" dirty="0">
                 <a:effectLst/>
+                <a:latin typeface="Calibri" panose="020F0502020204030204" pitchFamily="34" charset="0"/>
+                <a:ea typeface="Times New Roman" panose="02020603050405020304" pitchFamily="18" charset="0"/>
+                <a:cs typeface="Times New Roman" panose="02020603050405020304" pitchFamily="18" charset="0"/>
               </a:rPr>
               <a:t> </a:t>
+            </a:r>
+            <a:r>
+              <a:rPr lang="en-US" sz="1800" b="1" dirty="0" err="1">
+                <a:effectLst/>
+                <a:latin typeface="Calibri" panose="020F0502020204030204" pitchFamily="34" charset="0"/>
+                <a:ea typeface="Times New Roman" panose="02020603050405020304" pitchFamily="18" charset="0"/>
+                <a:cs typeface="Times New Roman" panose="02020603050405020304" pitchFamily="18" charset="0"/>
+              </a:rPr>
+              <a:t>ao</a:t>
+            </a:r>
+            <a:r>
+              <a:rPr lang="en-US" sz="1800" b="1" dirty="0">
+                <a:effectLst/>
+                <a:latin typeface="Calibri" panose="020F0502020204030204" pitchFamily="34" charset="0"/>
+                <a:ea typeface="Times New Roman" panose="02020603050405020304" pitchFamily="18" charset="0"/>
+                <a:cs typeface="Times New Roman" panose="02020603050405020304" pitchFamily="18" charset="0"/>
+              </a:rPr>
+              <a:t> Quarto</a:t>
             </a:r>
             <a:endParaRPr lang="pt-BR" dirty="0">
               <a:solidFill>
@@ -4348,69 +4310,10 @@
       </p:sp>
       <p:sp>
         <p:nvSpPr>
-          <p:cNvPr id="8" name="CaixaDeTexto 7">
-            <a:extLst>
-              <a:ext uri="{FF2B5EF4-FFF2-40B4-BE49-F238E27FC236}">
-                <a16:creationId xmlns:a16="http://schemas.microsoft.com/office/drawing/2014/main" id="{21D389E7-D048-49F7-999C-379D45B72EBF}"/>
-              </a:ext>
-            </a:extLst>
-          </p:cNvPr>
-          <p:cNvSpPr txBox="1"/>
-          <p:nvPr/>
-        </p:nvSpPr>
-        <p:spPr>
-          <a:xfrm>
-            <a:off x="857249" y="1581627"/>
-            <a:ext cx="10487025" cy="1015663"/>
-          </a:xfrm>
-          <a:prstGeom prst="rect">
-            <a:avLst/>
-          </a:prstGeom>
-          <a:noFill/>
-        </p:spPr>
-        <p:txBody>
-          <a:bodyPr wrap="square" rtlCol="0">
-            <a:spAutoFit/>
-          </a:bodyPr>
-          <a:lstStyle/>
-          <a:p>
-            <a:pPr marL="342900" indent="-342900">
-              <a:buFont typeface="Arial" panose="020B0604020202020204" pitchFamily="34" charset="0"/>
-              <a:buChar char="•"/>
-            </a:pPr>
-            <a:r>
-              <a:rPr lang="pt-BR" sz="2000" dirty="0"/>
-              <a:t>Requisição</a:t>
-            </a:r>
-          </a:p>
-          <a:p>
-            <a:pPr marL="342900" indent="-342900">
-              <a:buFont typeface="Arial" panose="020B0604020202020204" pitchFamily="34" charset="0"/>
-              <a:buChar char="•"/>
-            </a:pPr>
-            <a:r>
-              <a:rPr lang="pt-BR" sz="2000" dirty="0"/>
-              <a:t>Extração</a:t>
-            </a:r>
-          </a:p>
-          <a:p>
-            <a:pPr marL="342900" indent="-342900">
-              <a:buFont typeface="Arial" panose="020B0604020202020204" pitchFamily="34" charset="0"/>
-              <a:buChar char="•"/>
-            </a:pPr>
-            <a:r>
-              <a:rPr lang="pt-BR" sz="2000" dirty="0"/>
-              <a:t>Iteração</a:t>
-            </a:r>
-          </a:p>
-        </p:txBody>
-      </p:sp>
-      <p:sp>
-        <p:nvSpPr>
           <p:cNvPr id="5" name="CaixaDeTexto 4">
             <a:extLst>
               <a:ext uri="{FF2B5EF4-FFF2-40B4-BE49-F238E27FC236}">
-                <a16:creationId xmlns:a16="http://schemas.microsoft.com/office/drawing/2014/main" id="{E29C14AF-5D8F-4506-8E20-2E4FE2214E92}"/>
+                <a16:creationId xmlns:a16="http://schemas.microsoft.com/office/drawing/2014/main" id="{B11EBF32-53A2-4AA0-81E0-813E34CFC691}"/>
               </a:ext>
             </a:extLst>
           </p:cNvPr>
@@ -4439,28 +4342,63 @@
                   <a:srgbClr val="F89D52"/>
                 </a:solidFill>
               </a:rPr>
-              <a:t>As três etapas de </a:t>
-            </a:r>
-            <a:r>
-              <a:rPr lang="pt-BR" sz="2400" b="1" dirty="0" err="1">
-                <a:solidFill>
-                  <a:srgbClr val="F89D52"/>
-                </a:solidFill>
-              </a:rPr>
-              <a:t>webscraping</a:t>
-            </a:r>
-            <a:endParaRPr lang="pt-BR" sz="2400" b="1" dirty="0">
-              <a:solidFill>
-                <a:srgbClr val="F89D52"/>
-              </a:solidFill>
-            </a:endParaRPr>
+              <a:t>Básico de Word</a:t>
+            </a:r>
+          </a:p>
+        </p:txBody>
+      </p:sp>
+      <p:sp>
+        <p:nvSpPr>
+          <p:cNvPr id="2" name="TextBox 1">
+            <a:hlinkClick r:id="rId3"/>
+            <a:extLst>
+              <a:ext uri="{FF2B5EF4-FFF2-40B4-BE49-F238E27FC236}">
+                <a16:creationId xmlns:a16="http://schemas.microsoft.com/office/drawing/2014/main" id="{1EAAEE1C-0FB2-12C9-7086-22A935013475}"/>
+              </a:ext>
+            </a:extLst>
+          </p:cNvPr>
+          <p:cNvSpPr txBox="1"/>
+          <p:nvPr/>
+        </p:nvSpPr>
+        <p:spPr>
+          <a:xfrm>
+            <a:off x="1485900" y="2057400"/>
+            <a:ext cx="7563507" cy="646331"/>
+          </a:xfrm>
+          <a:prstGeom prst="rect">
+            <a:avLst/>
+          </a:prstGeom>
+          <a:noFill/>
+        </p:spPr>
+        <p:txBody>
+          <a:bodyPr wrap="square" rtlCol="0">
+            <a:spAutoFit/>
+          </a:bodyPr>
+          <a:lstStyle/>
+          <a:p>
+            <a:r>
+              <a:rPr lang="en-US" dirty="0">
+                <a:hlinkClick r:id="rId4"/>
+              </a:rPr>
+              <a:t>Básico de Word</a:t>
+            </a:r>
+            <a:endParaRPr lang="en-US" dirty="0"/>
+          </a:p>
+          <a:p>
+            <a:r>
+              <a:rPr lang="en-US" dirty="0">
+                <a:hlinkClick r:id="rId5"/>
+              </a:rPr>
+              <a:t>Outras opções</a:t>
+            </a:r>
+            <a:endParaRPr lang="en-US" dirty="0"/>
           </a:p>
         </p:txBody>
       </p:sp>
     </p:spTree>
     <p:extLst>
       <p:ext uri="{BB962C8B-B14F-4D97-AF65-F5344CB8AC3E}">
-        <p14:creationId xmlns:p14="http://schemas.microsoft.com/office/powerpoint/2010/main" val="1242259849"/>
+        <p14:creationId xmlns:p14="http://schemas.microsoft.com/office/powerpoint/2010/main" val="3660978989"/>
       </p:ext>
     </p:extLst>
   </p:cSld>
@@ -4470,7 +4408,7 @@
 </p:sld>
 </file>
 
-<file path=ppt/slides/slide6.xml><?xml version="1.0" encoding="utf-8"?>
+<file path=ppt/slides/slide14.xml><?xml version="1.0" encoding="utf-8"?>
 <p:sld xmlns:a="http://schemas.openxmlformats.org/drawingml/2006/main" xmlns:r="http://schemas.openxmlformats.org/officeDocument/2006/relationships" xmlns:p="http://schemas.openxmlformats.org/presentationml/2006/main">
   <p:cSld>
     <p:bg>
@@ -4615,6 +4553,1979 @@
     <p:extLst>
       <p:ext uri="{BB962C8B-B14F-4D97-AF65-F5344CB8AC3E}">
         <p14:creationId xmlns:p14="http://schemas.microsoft.com/office/powerpoint/2010/main" val="2583851348"/>
+      </p:ext>
+    </p:extLst>
+  </p:cSld>
+  <p:clrMapOvr>
+    <a:masterClrMapping/>
+  </p:clrMapOvr>
+</p:sld>
+</file>
+
+<file path=ppt/slides/slide2.xml><?xml version="1.0" encoding="utf-8"?>
+<p:sld xmlns:a="http://schemas.openxmlformats.org/drawingml/2006/main" xmlns:r="http://schemas.openxmlformats.org/officeDocument/2006/relationships" xmlns:p="http://schemas.openxmlformats.org/presentationml/2006/main">
+  <p:cSld>
+    <p:bg>
+      <p:bgPr>
+        <a:blipFill dpi="0" rotWithShape="1">
+          <a:blip r:embed="rId2">
+            <a:lum/>
+          </a:blip>
+          <a:srcRect/>
+          <a:stretch>
+            <a:fillRect/>
+          </a:stretch>
+        </a:blipFill>
+        <a:effectLst/>
+      </p:bgPr>
+    </p:bg>
+    <p:spTree>
+      <p:nvGrpSpPr>
+        <p:cNvPr id="1" name=""/>
+        <p:cNvGrpSpPr/>
+        <p:nvPr/>
+      </p:nvGrpSpPr>
+      <p:grpSpPr>
+        <a:xfrm>
+          <a:off x="0" y="0"/>
+          <a:ext cx="0" cy="0"/>
+          <a:chOff x="0" y="0"/>
+          <a:chExt cx="0" cy="0"/>
+        </a:xfrm>
+      </p:grpSpPr>
+      <p:sp>
+        <p:nvSpPr>
+          <p:cNvPr id="6" name="CaixaDeTexto 5">
+            <a:extLst>
+              <a:ext uri="{FF2B5EF4-FFF2-40B4-BE49-F238E27FC236}">
+                <a16:creationId xmlns:a16="http://schemas.microsoft.com/office/drawing/2014/main" id="{FD74DD8F-86BF-47F5-AAC1-90AB50761B50}"/>
+              </a:ext>
+            </a:extLst>
+          </p:cNvPr>
+          <p:cNvSpPr txBox="1"/>
+          <p:nvPr/>
+        </p:nvSpPr>
+        <p:spPr>
+          <a:xfrm>
+            <a:off x="857250" y="242883"/>
+            <a:ext cx="8701088" cy="369332"/>
+          </a:xfrm>
+          <a:prstGeom prst="rect">
+            <a:avLst/>
+          </a:prstGeom>
+          <a:noFill/>
+        </p:spPr>
+        <p:txBody>
+          <a:bodyPr wrap="square" rtlCol="0">
+            <a:spAutoFit/>
+          </a:bodyPr>
+          <a:lstStyle/>
+          <a:p>
+            <a:r>
+              <a:rPr lang="en-US" sz="1800" b="1" dirty="0" err="1">
+                <a:effectLst/>
+                <a:latin typeface="Calibri" panose="020F0502020204030204" pitchFamily="34" charset="0"/>
+                <a:ea typeface="Times New Roman" panose="02020603050405020304" pitchFamily="18" charset="0"/>
+                <a:cs typeface="Times New Roman" panose="02020603050405020304" pitchFamily="18" charset="0"/>
+              </a:rPr>
+              <a:t>Comunicação</a:t>
+            </a:r>
+            <a:r>
+              <a:rPr lang="en-US" sz="1800" b="1" dirty="0">
+                <a:effectLst/>
+                <a:latin typeface="Calibri" panose="020F0502020204030204" pitchFamily="34" charset="0"/>
+                <a:ea typeface="Times New Roman" panose="02020603050405020304" pitchFamily="18" charset="0"/>
+                <a:cs typeface="Times New Roman" panose="02020603050405020304" pitchFamily="18" charset="0"/>
+              </a:rPr>
+              <a:t> de </a:t>
+            </a:r>
+            <a:r>
+              <a:rPr lang="en-US" sz="1800" b="1" dirty="0" err="1">
+                <a:effectLst/>
+                <a:latin typeface="Calibri" panose="020F0502020204030204" pitchFamily="34" charset="0"/>
+                <a:ea typeface="Times New Roman" panose="02020603050405020304" pitchFamily="18" charset="0"/>
+                <a:cs typeface="Times New Roman" panose="02020603050405020304" pitchFamily="18" charset="0"/>
+              </a:rPr>
+              <a:t>resultados</a:t>
+            </a:r>
+            <a:endParaRPr lang="pt-BR" dirty="0">
+              <a:solidFill>
+                <a:schemeClr val="tx1">
+                  <a:lumMod val="50000"/>
+                  <a:lumOff val="50000"/>
+                </a:schemeClr>
+              </a:solidFill>
+            </a:endParaRPr>
+          </a:p>
+        </p:txBody>
+      </p:sp>
+      <p:sp>
+        <p:nvSpPr>
+          <p:cNvPr id="2" name="TextBox 1">
+            <a:extLst>
+              <a:ext uri="{FF2B5EF4-FFF2-40B4-BE49-F238E27FC236}">
+                <a16:creationId xmlns:a16="http://schemas.microsoft.com/office/drawing/2014/main" id="{1EAAEE1C-0FB2-12C9-7086-22A935013475}"/>
+              </a:ext>
+            </a:extLst>
+          </p:cNvPr>
+          <p:cNvSpPr txBox="1"/>
+          <p:nvPr/>
+        </p:nvSpPr>
+        <p:spPr>
+          <a:xfrm>
+            <a:off x="1485900" y="2057400"/>
+            <a:ext cx="7972425" cy="1477328"/>
+          </a:xfrm>
+          <a:prstGeom prst="rect">
+            <a:avLst/>
+          </a:prstGeom>
+          <a:noFill/>
+        </p:spPr>
+        <p:txBody>
+          <a:bodyPr wrap="square" rtlCol="0">
+            <a:spAutoFit/>
+          </a:bodyPr>
+          <a:lstStyle/>
+          <a:p>
+            <a:pPr algn="just"/>
+            <a:r>
+              <a:rPr lang="en-BR" dirty="0"/>
+              <a:t>Se você realizou todo o ciclo de ciência de dados com R ou Python, inevitavelmente, você terá de comunicar os resultados com outras pessoas.</a:t>
+            </a:r>
+          </a:p>
+          <a:p>
+            <a:pPr algn="just"/>
+            <a:endParaRPr lang="en-BR" dirty="0"/>
+          </a:p>
+          <a:p>
+            <a:pPr algn="just"/>
+            <a:r>
+              <a:rPr lang="en-BR" dirty="0"/>
+              <a:t>Nesta disciplina veremos com transformar nossas análises em publicações que comunicam os resultados para o público.</a:t>
+            </a:r>
+          </a:p>
+        </p:txBody>
+      </p:sp>
+      <p:sp>
+        <p:nvSpPr>
+          <p:cNvPr id="3" name="TextBox 2">
+            <a:extLst>
+              <a:ext uri="{FF2B5EF4-FFF2-40B4-BE49-F238E27FC236}">
+                <a16:creationId xmlns:a16="http://schemas.microsoft.com/office/drawing/2014/main" id="{70FEFDE5-0A83-02D3-E6FA-5FBF836815B8}"/>
+              </a:ext>
+            </a:extLst>
+          </p:cNvPr>
+          <p:cNvSpPr txBox="1"/>
+          <p:nvPr/>
+        </p:nvSpPr>
+        <p:spPr>
+          <a:xfrm>
+            <a:off x="1325880" y="1066800"/>
+            <a:ext cx="2497287" cy="646331"/>
+          </a:xfrm>
+          <a:prstGeom prst="rect">
+            <a:avLst/>
+          </a:prstGeom>
+          <a:noFill/>
+        </p:spPr>
+        <p:txBody>
+          <a:bodyPr wrap="none" rtlCol="0">
+            <a:spAutoFit/>
+          </a:bodyPr>
+          <a:lstStyle/>
+          <a:p>
+            <a:r>
+              <a:rPr lang="pt-BR" sz="1800" b="1" dirty="0">
+                <a:solidFill>
+                  <a:srgbClr val="F89D52"/>
+                </a:solidFill>
+              </a:rPr>
+              <a:t>Elaboração de relatórios</a:t>
+            </a:r>
+          </a:p>
+          <a:p>
+            <a:endParaRPr lang="en-BR" dirty="0"/>
+          </a:p>
+        </p:txBody>
+      </p:sp>
+    </p:spTree>
+    <p:extLst>
+      <p:ext uri="{BB962C8B-B14F-4D97-AF65-F5344CB8AC3E}">
+        <p14:creationId xmlns:p14="http://schemas.microsoft.com/office/powerpoint/2010/main" val="2390044990"/>
+      </p:ext>
+    </p:extLst>
+  </p:cSld>
+  <p:clrMapOvr>
+    <a:masterClrMapping/>
+  </p:clrMapOvr>
+</p:sld>
+</file>
+
+<file path=ppt/slides/slide3.xml><?xml version="1.0" encoding="utf-8"?>
+<p:sld xmlns:a="http://schemas.openxmlformats.org/drawingml/2006/main" xmlns:r="http://schemas.openxmlformats.org/officeDocument/2006/relationships" xmlns:p="http://schemas.openxmlformats.org/presentationml/2006/main">
+  <p:cSld>
+    <p:bg>
+      <p:bgPr>
+        <a:blipFill dpi="0" rotWithShape="1">
+          <a:blip r:embed="rId2">
+            <a:lum/>
+          </a:blip>
+          <a:srcRect/>
+          <a:stretch>
+            <a:fillRect/>
+          </a:stretch>
+        </a:blipFill>
+        <a:effectLst/>
+      </p:bgPr>
+    </p:bg>
+    <p:spTree>
+      <p:nvGrpSpPr>
+        <p:cNvPr id="1" name=""/>
+        <p:cNvGrpSpPr/>
+        <p:nvPr/>
+      </p:nvGrpSpPr>
+      <p:grpSpPr>
+        <a:xfrm>
+          <a:off x="0" y="0"/>
+          <a:ext cx="0" cy="0"/>
+          <a:chOff x="0" y="0"/>
+          <a:chExt cx="0" cy="0"/>
+        </a:xfrm>
+      </p:grpSpPr>
+      <p:sp>
+        <p:nvSpPr>
+          <p:cNvPr id="6" name="CaixaDeTexto 5">
+            <a:extLst>
+              <a:ext uri="{FF2B5EF4-FFF2-40B4-BE49-F238E27FC236}">
+                <a16:creationId xmlns:a16="http://schemas.microsoft.com/office/drawing/2014/main" id="{FD74DD8F-86BF-47F5-AAC1-90AB50761B50}"/>
+              </a:ext>
+            </a:extLst>
+          </p:cNvPr>
+          <p:cNvSpPr txBox="1"/>
+          <p:nvPr/>
+        </p:nvSpPr>
+        <p:spPr>
+          <a:xfrm>
+            <a:off x="857250" y="242883"/>
+            <a:ext cx="8701088" cy="369332"/>
+          </a:xfrm>
+          <a:prstGeom prst="rect">
+            <a:avLst/>
+          </a:prstGeom>
+          <a:noFill/>
+        </p:spPr>
+        <p:txBody>
+          <a:bodyPr wrap="square" rtlCol="0">
+            <a:spAutoFit/>
+          </a:bodyPr>
+          <a:lstStyle/>
+          <a:p>
+            <a:r>
+              <a:rPr lang="en-US" sz="1800" b="1" dirty="0">
+                <a:effectLst/>
+                <a:latin typeface="Calibri" panose="020F0502020204030204" pitchFamily="34" charset="0"/>
+                <a:ea typeface="Times New Roman" panose="02020603050405020304" pitchFamily="18" charset="0"/>
+                <a:cs typeface="Times New Roman" panose="02020603050405020304" pitchFamily="18" charset="0"/>
+              </a:rPr>
+              <a:t> </a:t>
+            </a:r>
+            <a:r>
+              <a:rPr lang="en-US" sz="1800" b="1" dirty="0" err="1">
+                <a:effectLst/>
+                <a:latin typeface="Calibri" panose="020F0502020204030204" pitchFamily="34" charset="0"/>
+                <a:ea typeface="Times New Roman" panose="02020603050405020304" pitchFamily="18" charset="0"/>
+                <a:cs typeface="Times New Roman" panose="02020603050405020304" pitchFamily="18" charset="0"/>
+              </a:rPr>
+              <a:t>Introdução</a:t>
+            </a:r>
+            <a:r>
+              <a:rPr lang="en-US" sz="1800" b="1" dirty="0">
+                <a:effectLst/>
+                <a:latin typeface="Calibri" panose="020F0502020204030204" pitchFamily="34" charset="0"/>
+                <a:ea typeface="Times New Roman" panose="02020603050405020304" pitchFamily="18" charset="0"/>
+                <a:cs typeface="Times New Roman" panose="02020603050405020304" pitchFamily="18" charset="0"/>
+              </a:rPr>
+              <a:t> </a:t>
+            </a:r>
+            <a:r>
+              <a:rPr lang="en-US" sz="1800" b="1" dirty="0" err="1">
+                <a:effectLst/>
+                <a:latin typeface="Calibri" panose="020F0502020204030204" pitchFamily="34" charset="0"/>
+                <a:ea typeface="Times New Roman" panose="02020603050405020304" pitchFamily="18" charset="0"/>
+                <a:cs typeface="Times New Roman" panose="02020603050405020304" pitchFamily="18" charset="0"/>
+              </a:rPr>
+              <a:t>ao</a:t>
+            </a:r>
+            <a:r>
+              <a:rPr lang="en-US" sz="1800" b="1" dirty="0">
+                <a:effectLst/>
+                <a:latin typeface="Calibri" panose="020F0502020204030204" pitchFamily="34" charset="0"/>
+                <a:ea typeface="Times New Roman" panose="02020603050405020304" pitchFamily="18" charset="0"/>
+                <a:cs typeface="Times New Roman" panose="02020603050405020304" pitchFamily="18" charset="0"/>
+              </a:rPr>
+              <a:t> Quarto</a:t>
+            </a:r>
+            <a:endParaRPr lang="pt-BR" dirty="0">
+              <a:solidFill>
+                <a:schemeClr val="tx1">
+                  <a:lumMod val="50000"/>
+                  <a:lumOff val="50000"/>
+                </a:schemeClr>
+              </a:solidFill>
+            </a:endParaRPr>
+          </a:p>
+        </p:txBody>
+      </p:sp>
+      <p:sp>
+        <p:nvSpPr>
+          <p:cNvPr id="5" name="CaixaDeTexto 4">
+            <a:extLst>
+              <a:ext uri="{FF2B5EF4-FFF2-40B4-BE49-F238E27FC236}">
+                <a16:creationId xmlns:a16="http://schemas.microsoft.com/office/drawing/2014/main" id="{B11EBF32-53A2-4AA0-81E0-813E34CFC691}"/>
+              </a:ext>
+            </a:extLst>
+          </p:cNvPr>
+          <p:cNvSpPr txBox="1"/>
+          <p:nvPr/>
+        </p:nvSpPr>
+        <p:spPr>
+          <a:xfrm>
+            <a:off x="857250" y="732350"/>
+            <a:ext cx="8701088" cy="461665"/>
+          </a:xfrm>
+          <a:prstGeom prst="rect">
+            <a:avLst/>
+          </a:prstGeom>
+          <a:noFill/>
+        </p:spPr>
+        <p:txBody>
+          <a:bodyPr wrap="square" rtlCol="0">
+            <a:spAutoFit/>
+          </a:bodyPr>
+          <a:lstStyle/>
+          <a:p>
+            <a:r>
+              <a:rPr lang="pt-BR" sz="2400" b="1" dirty="0">
+                <a:solidFill>
+                  <a:srgbClr val="F89D52"/>
+                </a:solidFill>
+              </a:rPr>
+              <a:t>O que é o Quarto</a:t>
+            </a:r>
+          </a:p>
+        </p:txBody>
+      </p:sp>
+      <p:sp>
+        <p:nvSpPr>
+          <p:cNvPr id="2" name="TextBox 1">
+            <a:extLst>
+              <a:ext uri="{FF2B5EF4-FFF2-40B4-BE49-F238E27FC236}">
+                <a16:creationId xmlns:a16="http://schemas.microsoft.com/office/drawing/2014/main" id="{1EAAEE1C-0FB2-12C9-7086-22A935013475}"/>
+              </a:ext>
+            </a:extLst>
+          </p:cNvPr>
+          <p:cNvSpPr txBox="1"/>
+          <p:nvPr/>
+        </p:nvSpPr>
+        <p:spPr>
+          <a:xfrm>
+            <a:off x="1485900" y="2057400"/>
+            <a:ext cx="7972425" cy="2585323"/>
+          </a:xfrm>
+          <a:prstGeom prst="rect">
+            <a:avLst/>
+          </a:prstGeom>
+          <a:noFill/>
+        </p:spPr>
+        <p:txBody>
+          <a:bodyPr wrap="square" rtlCol="0">
+            <a:spAutoFit/>
+          </a:bodyPr>
+          <a:lstStyle/>
+          <a:p>
+            <a:r>
+              <a:rPr lang="en-BR" dirty="0"/>
+              <a:t>Quarto é um sistema livre (open-source) para publicação técnica e científica.</a:t>
+            </a:r>
+          </a:p>
+          <a:p>
+            <a:endParaRPr lang="en-BR" dirty="0"/>
+          </a:p>
+          <a:p>
+            <a:r>
+              <a:rPr lang="en-US" dirty="0">
+                <a:hlinkClick r:id="rId3"/>
+              </a:rPr>
+              <a:t>Visite a página para entender um pouco melhor.</a:t>
+            </a:r>
+            <a:endParaRPr lang="en-US" dirty="0"/>
+          </a:p>
+          <a:p>
+            <a:endParaRPr lang="en-BR" dirty="0"/>
+          </a:p>
+          <a:p>
+            <a:pPr algn="just"/>
+            <a:r>
+              <a:rPr lang="en-BR"/>
+              <a:t>Quarto é também uma estrutura de ciência de dados a qual combina código, resultados e texto. Em vez de escrever seu código em R ou Python, criar tabelas e gráficos, para depois ir para um editor, como o Word ou PowerPoint,  a fim de gerar seu relatório ou aprentação, com Quarto, você tem tudo isso num lugar só.</a:t>
+            </a:r>
+          </a:p>
+          <a:p>
+            <a:endParaRPr lang="en-BR" dirty="0"/>
+          </a:p>
+        </p:txBody>
+      </p:sp>
+    </p:spTree>
+    <p:extLst>
+      <p:ext uri="{BB962C8B-B14F-4D97-AF65-F5344CB8AC3E}">
+        <p14:creationId xmlns:p14="http://schemas.microsoft.com/office/powerpoint/2010/main" val="2293162595"/>
+      </p:ext>
+    </p:extLst>
+  </p:cSld>
+  <p:clrMapOvr>
+    <a:masterClrMapping/>
+  </p:clrMapOvr>
+</p:sld>
+</file>
+
+<file path=ppt/slides/slide4.xml><?xml version="1.0" encoding="utf-8"?>
+<p:sld xmlns:a="http://schemas.openxmlformats.org/drawingml/2006/main" xmlns:r="http://schemas.openxmlformats.org/officeDocument/2006/relationships" xmlns:p="http://schemas.openxmlformats.org/presentationml/2006/main">
+  <p:cSld>
+    <p:bg>
+      <p:bgPr>
+        <a:blipFill dpi="0" rotWithShape="1">
+          <a:blip r:embed="rId2">
+            <a:lum/>
+          </a:blip>
+          <a:srcRect/>
+          <a:stretch>
+            <a:fillRect/>
+          </a:stretch>
+        </a:blipFill>
+        <a:effectLst/>
+      </p:bgPr>
+    </p:bg>
+    <p:spTree>
+      <p:nvGrpSpPr>
+        <p:cNvPr id="1" name=""/>
+        <p:cNvGrpSpPr/>
+        <p:nvPr/>
+      </p:nvGrpSpPr>
+      <p:grpSpPr>
+        <a:xfrm>
+          <a:off x="0" y="0"/>
+          <a:ext cx="0" cy="0"/>
+          <a:chOff x="0" y="0"/>
+          <a:chExt cx="0" cy="0"/>
+        </a:xfrm>
+      </p:grpSpPr>
+      <p:sp>
+        <p:nvSpPr>
+          <p:cNvPr id="6" name="CaixaDeTexto 5">
+            <a:extLst>
+              <a:ext uri="{FF2B5EF4-FFF2-40B4-BE49-F238E27FC236}">
+                <a16:creationId xmlns:a16="http://schemas.microsoft.com/office/drawing/2014/main" id="{FD74DD8F-86BF-47F5-AAC1-90AB50761B50}"/>
+              </a:ext>
+            </a:extLst>
+          </p:cNvPr>
+          <p:cNvSpPr txBox="1"/>
+          <p:nvPr/>
+        </p:nvSpPr>
+        <p:spPr>
+          <a:xfrm>
+            <a:off x="857250" y="242883"/>
+            <a:ext cx="8701088" cy="369332"/>
+          </a:xfrm>
+          <a:prstGeom prst="rect">
+            <a:avLst/>
+          </a:prstGeom>
+          <a:noFill/>
+        </p:spPr>
+        <p:txBody>
+          <a:bodyPr wrap="square" rtlCol="0">
+            <a:spAutoFit/>
+          </a:bodyPr>
+          <a:lstStyle/>
+          <a:p>
+            <a:r>
+              <a:rPr lang="en-US" sz="1800" b="1" dirty="0">
+                <a:effectLst/>
+                <a:latin typeface="Calibri" panose="020F0502020204030204" pitchFamily="34" charset="0"/>
+                <a:ea typeface="Times New Roman" panose="02020603050405020304" pitchFamily="18" charset="0"/>
+                <a:cs typeface="Times New Roman" panose="02020603050405020304" pitchFamily="18" charset="0"/>
+              </a:rPr>
+              <a:t> </a:t>
+            </a:r>
+            <a:r>
+              <a:rPr lang="en-US" sz="1800" b="1" dirty="0" err="1">
+                <a:effectLst/>
+                <a:latin typeface="Calibri" panose="020F0502020204030204" pitchFamily="34" charset="0"/>
+                <a:ea typeface="Times New Roman" panose="02020603050405020304" pitchFamily="18" charset="0"/>
+                <a:cs typeface="Times New Roman" panose="02020603050405020304" pitchFamily="18" charset="0"/>
+              </a:rPr>
+              <a:t>Introdução</a:t>
+            </a:r>
+            <a:r>
+              <a:rPr lang="en-US" sz="1800" b="1" dirty="0">
+                <a:effectLst/>
+                <a:latin typeface="Calibri" panose="020F0502020204030204" pitchFamily="34" charset="0"/>
+                <a:ea typeface="Times New Roman" panose="02020603050405020304" pitchFamily="18" charset="0"/>
+                <a:cs typeface="Times New Roman" panose="02020603050405020304" pitchFamily="18" charset="0"/>
+              </a:rPr>
+              <a:t> </a:t>
+            </a:r>
+            <a:r>
+              <a:rPr lang="en-US" sz="1800" b="1" dirty="0" err="1">
+                <a:effectLst/>
+                <a:latin typeface="Calibri" panose="020F0502020204030204" pitchFamily="34" charset="0"/>
+                <a:ea typeface="Times New Roman" panose="02020603050405020304" pitchFamily="18" charset="0"/>
+                <a:cs typeface="Times New Roman" panose="02020603050405020304" pitchFamily="18" charset="0"/>
+              </a:rPr>
+              <a:t>ao</a:t>
+            </a:r>
+            <a:r>
+              <a:rPr lang="en-US" sz="1800" b="1" dirty="0">
+                <a:effectLst/>
+                <a:latin typeface="Calibri" panose="020F0502020204030204" pitchFamily="34" charset="0"/>
+                <a:ea typeface="Times New Roman" panose="02020603050405020304" pitchFamily="18" charset="0"/>
+                <a:cs typeface="Times New Roman" panose="02020603050405020304" pitchFamily="18" charset="0"/>
+              </a:rPr>
+              <a:t> Quarto</a:t>
+            </a:r>
+            <a:endParaRPr lang="pt-BR" dirty="0">
+              <a:solidFill>
+                <a:schemeClr val="tx1">
+                  <a:lumMod val="50000"/>
+                  <a:lumOff val="50000"/>
+                </a:schemeClr>
+              </a:solidFill>
+            </a:endParaRPr>
+          </a:p>
+        </p:txBody>
+      </p:sp>
+      <p:sp>
+        <p:nvSpPr>
+          <p:cNvPr id="5" name="CaixaDeTexto 4">
+            <a:extLst>
+              <a:ext uri="{FF2B5EF4-FFF2-40B4-BE49-F238E27FC236}">
+                <a16:creationId xmlns:a16="http://schemas.microsoft.com/office/drawing/2014/main" id="{B11EBF32-53A2-4AA0-81E0-813E34CFC691}"/>
+              </a:ext>
+            </a:extLst>
+          </p:cNvPr>
+          <p:cNvSpPr txBox="1"/>
+          <p:nvPr/>
+        </p:nvSpPr>
+        <p:spPr>
+          <a:xfrm>
+            <a:off x="857250" y="732350"/>
+            <a:ext cx="8701088" cy="461665"/>
+          </a:xfrm>
+          <a:prstGeom prst="rect">
+            <a:avLst/>
+          </a:prstGeom>
+          <a:noFill/>
+        </p:spPr>
+        <p:txBody>
+          <a:bodyPr wrap="square" rtlCol="0">
+            <a:spAutoFit/>
+          </a:bodyPr>
+          <a:lstStyle/>
+          <a:p>
+            <a:r>
+              <a:rPr lang="pt-BR" sz="2400" b="1" dirty="0">
+                <a:solidFill>
+                  <a:srgbClr val="F89D52"/>
+                </a:solidFill>
+              </a:rPr>
+              <a:t>Três formas de usar o Quarto</a:t>
+            </a:r>
+          </a:p>
+        </p:txBody>
+      </p:sp>
+      <p:sp>
+        <p:nvSpPr>
+          <p:cNvPr id="2" name="TextBox 1">
+            <a:extLst>
+              <a:ext uri="{FF2B5EF4-FFF2-40B4-BE49-F238E27FC236}">
+                <a16:creationId xmlns:a16="http://schemas.microsoft.com/office/drawing/2014/main" id="{1EAAEE1C-0FB2-12C9-7086-22A935013475}"/>
+              </a:ext>
+            </a:extLst>
+          </p:cNvPr>
+          <p:cNvSpPr txBox="1"/>
+          <p:nvPr/>
+        </p:nvSpPr>
+        <p:spPr>
+          <a:xfrm>
+            <a:off x="1485900" y="2057400"/>
+            <a:ext cx="7972425" cy="923330"/>
+          </a:xfrm>
+          <a:prstGeom prst="rect">
+            <a:avLst/>
+          </a:prstGeom>
+          <a:noFill/>
+        </p:spPr>
+        <p:txBody>
+          <a:bodyPr wrap="square" rtlCol="0">
+            <a:spAutoFit/>
+          </a:bodyPr>
+          <a:lstStyle/>
+          <a:p>
+            <a:pPr marL="342900" indent="-342900">
+              <a:buFont typeface="+mj-lt"/>
+              <a:buAutoNum type="arabicPeriod"/>
+            </a:pPr>
+            <a:r>
+              <a:rPr lang="en-BR" dirty="0"/>
+              <a:t>Comunicar com tomadores de decisões</a:t>
+            </a:r>
+          </a:p>
+          <a:p>
+            <a:pPr marL="342900" indent="-342900">
+              <a:buFont typeface="+mj-lt"/>
+              <a:buAutoNum type="arabicPeriod"/>
+            </a:pPr>
+            <a:r>
+              <a:rPr lang="en-BR" dirty="0"/>
+              <a:t>Colaboração com outros cientistas de dados</a:t>
+            </a:r>
+          </a:p>
+          <a:p>
+            <a:pPr marL="342900" indent="-342900">
+              <a:buFont typeface="+mj-lt"/>
+              <a:buAutoNum type="arabicPeriod"/>
+            </a:pPr>
+            <a:r>
+              <a:rPr lang="en-BR" dirty="0"/>
+              <a:t>Ambiente para ciência de dados</a:t>
+            </a:r>
+          </a:p>
+        </p:txBody>
+      </p:sp>
+    </p:spTree>
+    <p:extLst>
+      <p:ext uri="{BB962C8B-B14F-4D97-AF65-F5344CB8AC3E}">
+        <p14:creationId xmlns:p14="http://schemas.microsoft.com/office/powerpoint/2010/main" val="2862357813"/>
+      </p:ext>
+    </p:extLst>
+  </p:cSld>
+  <p:clrMapOvr>
+    <a:masterClrMapping/>
+  </p:clrMapOvr>
+</p:sld>
+</file>
+
+<file path=ppt/slides/slide5.xml><?xml version="1.0" encoding="utf-8"?>
+<p:sld xmlns:a="http://schemas.openxmlformats.org/drawingml/2006/main" xmlns:r="http://schemas.openxmlformats.org/officeDocument/2006/relationships" xmlns:p="http://schemas.openxmlformats.org/presentationml/2006/main">
+  <p:cSld>
+    <p:bg>
+      <p:bgPr>
+        <a:blipFill dpi="0" rotWithShape="1">
+          <a:blip r:embed="rId2">
+            <a:lum/>
+          </a:blip>
+          <a:srcRect/>
+          <a:stretch>
+            <a:fillRect/>
+          </a:stretch>
+        </a:blipFill>
+        <a:effectLst/>
+      </p:bgPr>
+    </p:bg>
+    <p:spTree>
+      <p:nvGrpSpPr>
+        <p:cNvPr id="1" name=""/>
+        <p:cNvGrpSpPr/>
+        <p:nvPr/>
+      </p:nvGrpSpPr>
+      <p:grpSpPr>
+        <a:xfrm>
+          <a:off x="0" y="0"/>
+          <a:ext cx="0" cy="0"/>
+          <a:chOff x="0" y="0"/>
+          <a:chExt cx="0" cy="0"/>
+        </a:xfrm>
+      </p:grpSpPr>
+      <p:sp>
+        <p:nvSpPr>
+          <p:cNvPr id="6" name="CaixaDeTexto 5">
+            <a:extLst>
+              <a:ext uri="{FF2B5EF4-FFF2-40B4-BE49-F238E27FC236}">
+                <a16:creationId xmlns:a16="http://schemas.microsoft.com/office/drawing/2014/main" id="{FD74DD8F-86BF-47F5-AAC1-90AB50761B50}"/>
+              </a:ext>
+            </a:extLst>
+          </p:cNvPr>
+          <p:cNvSpPr txBox="1"/>
+          <p:nvPr/>
+        </p:nvSpPr>
+        <p:spPr>
+          <a:xfrm>
+            <a:off x="857250" y="242883"/>
+            <a:ext cx="8701088" cy="369332"/>
+          </a:xfrm>
+          <a:prstGeom prst="rect">
+            <a:avLst/>
+          </a:prstGeom>
+          <a:noFill/>
+        </p:spPr>
+        <p:txBody>
+          <a:bodyPr wrap="square" rtlCol="0">
+            <a:spAutoFit/>
+          </a:bodyPr>
+          <a:lstStyle/>
+          <a:p>
+            <a:r>
+              <a:rPr lang="en-US" sz="1800" b="1" dirty="0">
+                <a:effectLst/>
+                <a:latin typeface="Calibri" panose="020F0502020204030204" pitchFamily="34" charset="0"/>
+                <a:ea typeface="Times New Roman" panose="02020603050405020304" pitchFamily="18" charset="0"/>
+                <a:cs typeface="Times New Roman" panose="02020603050405020304" pitchFamily="18" charset="0"/>
+              </a:rPr>
+              <a:t> </a:t>
+            </a:r>
+            <a:r>
+              <a:rPr lang="en-US" sz="1800" b="1" dirty="0" err="1">
+                <a:effectLst/>
+                <a:latin typeface="Calibri" panose="020F0502020204030204" pitchFamily="34" charset="0"/>
+                <a:ea typeface="Times New Roman" panose="02020603050405020304" pitchFamily="18" charset="0"/>
+                <a:cs typeface="Times New Roman" panose="02020603050405020304" pitchFamily="18" charset="0"/>
+              </a:rPr>
+              <a:t>Introdução</a:t>
+            </a:r>
+            <a:r>
+              <a:rPr lang="en-US" sz="1800" b="1" dirty="0">
+                <a:effectLst/>
+                <a:latin typeface="Calibri" panose="020F0502020204030204" pitchFamily="34" charset="0"/>
+                <a:ea typeface="Times New Roman" panose="02020603050405020304" pitchFamily="18" charset="0"/>
+                <a:cs typeface="Times New Roman" panose="02020603050405020304" pitchFamily="18" charset="0"/>
+              </a:rPr>
+              <a:t> </a:t>
+            </a:r>
+            <a:r>
+              <a:rPr lang="en-US" sz="1800" b="1" dirty="0" err="1">
+                <a:effectLst/>
+                <a:latin typeface="Calibri" panose="020F0502020204030204" pitchFamily="34" charset="0"/>
+                <a:ea typeface="Times New Roman" panose="02020603050405020304" pitchFamily="18" charset="0"/>
+                <a:cs typeface="Times New Roman" panose="02020603050405020304" pitchFamily="18" charset="0"/>
+              </a:rPr>
+              <a:t>ao</a:t>
+            </a:r>
+            <a:r>
+              <a:rPr lang="en-US" sz="1800" b="1" dirty="0">
+                <a:effectLst/>
+                <a:latin typeface="Calibri" panose="020F0502020204030204" pitchFamily="34" charset="0"/>
+                <a:ea typeface="Times New Roman" panose="02020603050405020304" pitchFamily="18" charset="0"/>
+                <a:cs typeface="Times New Roman" panose="02020603050405020304" pitchFamily="18" charset="0"/>
+              </a:rPr>
+              <a:t> Quarto</a:t>
+            </a:r>
+            <a:endParaRPr lang="pt-BR" dirty="0">
+              <a:solidFill>
+                <a:schemeClr val="tx1">
+                  <a:lumMod val="50000"/>
+                  <a:lumOff val="50000"/>
+                </a:schemeClr>
+              </a:solidFill>
+            </a:endParaRPr>
+          </a:p>
+        </p:txBody>
+      </p:sp>
+      <p:sp>
+        <p:nvSpPr>
+          <p:cNvPr id="5" name="CaixaDeTexto 4">
+            <a:extLst>
+              <a:ext uri="{FF2B5EF4-FFF2-40B4-BE49-F238E27FC236}">
+                <a16:creationId xmlns:a16="http://schemas.microsoft.com/office/drawing/2014/main" id="{B11EBF32-53A2-4AA0-81E0-813E34CFC691}"/>
+              </a:ext>
+            </a:extLst>
+          </p:cNvPr>
+          <p:cNvSpPr txBox="1"/>
+          <p:nvPr/>
+        </p:nvSpPr>
+        <p:spPr>
+          <a:xfrm>
+            <a:off x="857250" y="732350"/>
+            <a:ext cx="8701088" cy="461665"/>
+          </a:xfrm>
+          <a:prstGeom prst="rect">
+            <a:avLst/>
+          </a:prstGeom>
+          <a:noFill/>
+        </p:spPr>
+        <p:txBody>
+          <a:bodyPr wrap="square" rtlCol="0">
+            <a:spAutoFit/>
+          </a:bodyPr>
+          <a:lstStyle/>
+          <a:p>
+            <a:r>
+              <a:rPr lang="pt-BR" sz="2400" b="1" dirty="0">
+                <a:solidFill>
+                  <a:srgbClr val="F89D52"/>
+                </a:solidFill>
+              </a:rPr>
+              <a:t>O que você pode criar com o Quarto</a:t>
+            </a:r>
+          </a:p>
+        </p:txBody>
+      </p:sp>
+      <p:sp>
+        <p:nvSpPr>
+          <p:cNvPr id="2" name="TextBox 1">
+            <a:extLst>
+              <a:ext uri="{FF2B5EF4-FFF2-40B4-BE49-F238E27FC236}">
+                <a16:creationId xmlns:a16="http://schemas.microsoft.com/office/drawing/2014/main" id="{1EAAEE1C-0FB2-12C9-7086-22A935013475}"/>
+              </a:ext>
+            </a:extLst>
+          </p:cNvPr>
+          <p:cNvSpPr txBox="1"/>
+          <p:nvPr/>
+        </p:nvSpPr>
+        <p:spPr>
+          <a:xfrm>
+            <a:off x="1485900" y="2057400"/>
+            <a:ext cx="7972425" cy="2031325"/>
+          </a:xfrm>
+          <a:prstGeom prst="rect">
+            <a:avLst/>
+          </a:prstGeom>
+          <a:noFill/>
+        </p:spPr>
+        <p:txBody>
+          <a:bodyPr wrap="square" rtlCol="0">
+            <a:spAutoFit/>
+          </a:bodyPr>
+          <a:lstStyle/>
+          <a:p>
+            <a:pPr marL="285750" indent="-285750">
+              <a:buFont typeface="Arial" panose="020B0604020202020204" pitchFamily="34" charset="0"/>
+              <a:buChar char="•"/>
+            </a:pPr>
+            <a:r>
+              <a:rPr lang="en-BR" dirty="0"/>
+              <a:t>Páginas Web</a:t>
+            </a:r>
+          </a:p>
+          <a:p>
+            <a:pPr marL="285750" indent="-285750">
+              <a:buFont typeface="Arial" panose="020B0604020202020204" pitchFamily="34" charset="0"/>
+              <a:buChar char="•"/>
+            </a:pPr>
+            <a:r>
+              <a:rPr lang="en-BR" dirty="0"/>
+              <a:t>Artigos</a:t>
+            </a:r>
+          </a:p>
+          <a:p>
+            <a:pPr marL="285750" indent="-285750">
+              <a:buFont typeface="Arial" panose="020B0604020202020204" pitchFamily="34" charset="0"/>
+              <a:buChar char="•"/>
+            </a:pPr>
+            <a:r>
+              <a:rPr lang="en-BR" dirty="0"/>
+              <a:t>Apresentações</a:t>
+            </a:r>
+          </a:p>
+          <a:p>
+            <a:pPr marL="285750" indent="-285750">
+              <a:buFont typeface="Arial" panose="020B0604020202020204" pitchFamily="34" charset="0"/>
+              <a:buChar char="•"/>
+            </a:pPr>
+            <a:r>
+              <a:rPr lang="en-BR" dirty="0"/>
+              <a:t>Livros</a:t>
+            </a:r>
+          </a:p>
+          <a:p>
+            <a:pPr marL="285750" indent="-285750">
+              <a:buFont typeface="Arial" panose="020B0604020202020204" pitchFamily="34" charset="0"/>
+              <a:buChar char="•"/>
+            </a:pPr>
+            <a:r>
+              <a:rPr lang="en-BR" dirty="0"/>
+              <a:t>Relatórios</a:t>
+            </a:r>
+          </a:p>
+          <a:p>
+            <a:endParaRPr lang="en-BR" dirty="0"/>
+          </a:p>
+          <a:p>
+            <a:r>
+              <a:rPr lang="en-US" dirty="0">
+                <a:hlinkClick r:id="rId3"/>
+              </a:rPr>
+              <a:t>Visite a galeria de publicações para ter uma ideia do que é possível.</a:t>
+            </a:r>
+            <a:endParaRPr lang="en-BR" dirty="0"/>
+          </a:p>
+        </p:txBody>
+      </p:sp>
+    </p:spTree>
+    <p:extLst>
+      <p:ext uri="{BB962C8B-B14F-4D97-AF65-F5344CB8AC3E}">
+        <p14:creationId xmlns:p14="http://schemas.microsoft.com/office/powerpoint/2010/main" val="2317397241"/>
+      </p:ext>
+    </p:extLst>
+  </p:cSld>
+  <p:clrMapOvr>
+    <a:masterClrMapping/>
+  </p:clrMapOvr>
+</p:sld>
+</file>
+
+<file path=ppt/slides/slide6.xml><?xml version="1.0" encoding="utf-8"?>
+<p:sld xmlns:a="http://schemas.openxmlformats.org/drawingml/2006/main" xmlns:r="http://schemas.openxmlformats.org/officeDocument/2006/relationships" xmlns:p="http://schemas.openxmlformats.org/presentationml/2006/main">
+  <p:cSld>
+    <p:bg>
+      <p:bgPr>
+        <a:blipFill dpi="0" rotWithShape="1">
+          <a:blip r:embed="rId2">
+            <a:lum/>
+          </a:blip>
+          <a:srcRect/>
+          <a:stretch>
+            <a:fillRect/>
+          </a:stretch>
+        </a:blipFill>
+        <a:effectLst/>
+      </p:bgPr>
+    </p:bg>
+    <p:spTree>
+      <p:nvGrpSpPr>
+        <p:cNvPr id="1" name=""/>
+        <p:cNvGrpSpPr/>
+        <p:nvPr/>
+      </p:nvGrpSpPr>
+      <p:grpSpPr>
+        <a:xfrm>
+          <a:off x="0" y="0"/>
+          <a:ext cx="0" cy="0"/>
+          <a:chOff x="0" y="0"/>
+          <a:chExt cx="0" cy="0"/>
+        </a:xfrm>
+      </p:grpSpPr>
+      <p:sp>
+        <p:nvSpPr>
+          <p:cNvPr id="6" name="CaixaDeTexto 5">
+            <a:extLst>
+              <a:ext uri="{FF2B5EF4-FFF2-40B4-BE49-F238E27FC236}">
+                <a16:creationId xmlns:a16="http://schemas.microsoft.com/office/drawing/2014/main" id="{FD74DD8F-86BF-47F5-AAC1-90AB50761B50}"/>
+              </a:ext>
+            </a:extLst>
+          </p:cNvPr>
+          <p:cNvSpPr txBox="1"/>
+          <p:nvPr/>
+        </p:nvSpPr>
+        <p:spPr>
+          <a:xfrm>
+            <a:off x="857250" y="242883"/>
+            <a:ext cx="8701088" cy="369332"/>
+          </a:xfrm>
+          <a:prstGeom prst="rect">
+            <a:avLst/>
+          </a:prstGeom>
+          <a:noFill/>
+        </p:spPr>
+        <p:txBody>
+          <a:bodyPr wrap="square" rtlCol="0">
+            <a:spAutoFit/>
+          </a:bodyPr>
+          <a:lstStyle/>
+          <a:p>
+            <a:r>
+              <a:rPr lang="en-US" sz="1800" b="1" dirty="0">
+                <a:effectLst/>
+                <a:latin typeface="Calibri" panose="020F0502020204030204" pitchFamily="34" charset="0"/>
+                <a:ea typeface="Times New Roman" panose="02020603050405020304" pitchFamily="18" charset="0"/>
+                <a:cs typeface="Times New Roman" panose="02020603050405020304" pitchFamily="18" charset="0"/>
+              </a:rPr>
+              <a:t> </a:t>
+            </a:r>
+            <a:r>
+              <a:rPr lang="en-US" sz="1800" b="1" dirty="0" err="1">
+                <a:effectLst/>
+                <a:latin typeface="Calibri" panose="020F0502020204030204" pitchFamily="34" charset="0"/>
+                <a:ea typeface="Times New Roman" panose="02020603050405020304" pitchFamily="18" charset="0"/>
+                <a:cs typeface="Times New Roman" panose="02020603050405020304" pitchFamily="18" charset="0"/>
+              </a:rPr>
+              <a:t>Introdução</a:t>
+            </a:r>
+            <a:r>
+              <a:rPr lang="en-US" sz="1800" b="1" dirty="0">
+                <a:effectLst/>
+                <a:latin typeface="Calibri" panose="020F0502020204030204" pitchFamily="34" charset="0"/>
+                <a:ea typeface="Times New Roman" panose="02020603050405020304" pitchFamily="18" charset="0"/>
+                <a:cs typeface="Times New Roman" panose="02020603050405020304" pitchFamily="18" charset="0"/>
+              </a:rPr>
+              <a:t> </a:t>
+            </a:r>
+            <a:r>
+              <a:rPr lang="en-US" sz="1800" b="1" dirty="0" err="1">
+                <a:effectLst/>
+                <a:latin typeface="Calibri" panose="020F0502020204030204" pitchFamily="34" charset="0"/>
+                <a:ea typeface="Times New Roman" panose="02020603050405020304" pitchFamily="18" charset="0"/>
+                <a:cs typeface="Times New Roman" panose="02020603050405020304" pitchFamily="18" charset="0"/>
+              </a:rPr>
+              <a:t>ao</a:t>
+            </a:r>
+            <a:r>
+              <a:rPr lang="en-US" sz="1800" b="1" dirty="0">
+                <a:effectLst/>
+                <a:latin typeface="Calibri" panose="020F0502020204030204" pitchFamily="34" charset="0"/>
+                <a:ea typeface="Times New Roman" panose="02020603050405020304" pitchFamily="18" charset="0"/>
+                <a:cs typeface="Times New Roman" panose="02020603050405020304" pitchFamily="18" charset="0"/>
+              </a:rPr>
+              <a:t> Quarto</a:t>
+            </a:r>
+            <a:endParaRPr lang="pt-BR" dirty="0">
+              <a:solidFill>
+                <a:schemeClr val="tx1">
+                  <a:lumMod val="50000"/>
+                  <a:lumOff val="50000"/>
+                </a:schemeClr>
+              </a:solidFill>
+            </a:endParaRPr>
+          </a:p>
+        </p:txBody>
+      </p:sp>
+      <p:sp>
+        <p:nvSpPr>
+          <p:cNvPr id="5" name="CaixaDeTexto 4">
+            <a:extLst>
+              <a:ext uri="{FF2B5EF4-FFF2-40B4-BE49-F238E27FC236}">
+                <a16:creationId xmlns:a16="http://schemas.microsoft.com/office/drawing/2014/main" id="{B11EBF32-53A2-4AA0-81E0-813E34CFC691}"/>
+              </a:ext>
+            </a:extLst>
+          </p:cNvPr>
+          <p:cNvSpPr txBox="1"/>
+          <p:nvPr/>
+        </p:nvSpPr>
+        <p:spPr>
+          <a:xfrm>
+            <a:off x="857250" y="732350"/>
+            <a:ext cx="8701088" cy="461665"/>
+          </a:xfrm>
+          <a:prstGeom prst="rect">
+            <a:avLst/>
+          </a:prstGeom>
+          <a:noFill/>
+        </p:spPr>
+        <p:txBody>
+          <a:bodyPr wrap="square" rtlCol="0">
+            <a:spAutoFit/>
+          </a:bodyPr>
+          <a:lstStyle/>
+          <a:p>
+            <a:r>
+              <a:rPr lang="pt-BR" sz="2400" b="1" dirty="0">
+                <a:solidFill>
+                  <a:srgbClr val="F89D52"/>
+                </a:solidFill>
+              </a:rPr>
+              <a:t>Quem pode usar Quarto</a:t>
+            </a:r>
+          </a:p>
+        </p:txBody>
+      </p:sp>
+      <p:sp>
+        <p:nvSpPr>
+          <p:cNvPr id="2" name="TextBox 1">
+            <a:extLst>
+              <a:ext uri="{FF2B5EF4-FFF2-40B4-BE49-F238E27FC236}">
+                <a16:creationId xmlns:a16="http://schemas.microsoft.com/office/drawing/2014/main" id="{1EAAEE1C-0FB2-12C9-7086-22A935013475}"/>
+              </a:ext>
+            </a:extLst>
+          </p:cNvPr>
+          <p:cNvSpPr txBox="1"/>
+          <p:nvPr/>
+        </p:nvSpPr>
+        <p:spPr>
+          <a:xfrm>
+            <a:off x="1485900" y="2057400"/>
+            <a:ext cx="7972425" cy="2031325"/>
+          </a:xfrm>
+          <a:prstGeom prst="rect">
+            <a:avLst/>
+          </a:prstGeom>
+          <a:noFill/>
+        </p:spPr>
+        <p:txBody>
+          <a:bodyPr wrap="square" rtlCol="0">
+            <a:spAutoFit/>
+          </a:bodyPr>
+          <a:lstStyle/>
+          <a:p>
+            <a:r>
+              <a:rPr lang="en-BR" dirty="0"/>
+              <a:t>Qualquer pessoa familiarizada com R, Python, Julia, Javascript (Observable) ou outra linguagem de programação voltada à ciência de dados. Você pode usar Quarto com o IDE ou editor de texto com o qual você está acostamada(o):</a:t>
+            </a:r>
+          </a:p>
+          <a:p>
+            <a:pPr marL="285750" indent="-285750">
+              <a:buFont typeface="Arial" panose="020B0604020202020204" pitchFamily="34" charset="0"/>
+              <a:buChar char="•"/>
+            </a:pPr>
+            <a:r>
+              <a:rPr lang="en-BR" dirty="0"/>
+              <a:t>R</a:t>
+            </a:r>
+            <a:r>
+              <a:rPr lang="en-US" dirty="0"/>
+              <a:t>s</a:t>
+            </a:r>
+            <a:r>
+              <a:rPr lang="en-BR" dirty="0"/>
+              <a:t>tudio</a:t>
+            </a:r>
+          </a:p>
+          <a:p>
+            <a:pPr marL="285750" indent="-285750">
+              <a:buFont typeface="Arial" panose="020B0604020202020204" pitchFamily="34" charset="0"/>
+              <a:buChar char="•"/>
+            </a:pPr>
+            <a:r>
+              <a:rPr lang="en-BR" dirty="0"/>
+              <a:t>V</a:t>
+            </a:r>
+            <a:r>
+              <a:rPr lang="en-US" dirty="0"/>
+              <a:t>s</a:t>
+            </a:r>
+            <a:r>
+              <a:rPr lang="en-BR" dirty="0"/>
+              <a:t>code</a:t>
+            </a:r>
+          </a:p>
+          <a:p>
+            <a:pPr marL="285750" indent="-285750">
+              <a:buFont typeface="Arial" panose="020B0604020202020204" pitchFamily="34" charset="0"/>
+              <a:buChar char="•"/>
+            </a:pPr>
+            <a:r>
+              <a:rPr lang="en-BR" dirty="0"/>
+              <a:t>Jupyter</a:t>
+            </a:r>
+          </a:p>
+          <a:p>
+            <a:pPr marL="285750" indent="-285750">
+              <a:buFont typeface="Arial" panose="020B0604020202020204" pitchFamily="34" charset="0"/>
+              <a:buChar char="•"/>
+            </a:pPr>
+            <a:r>
+              <a:rPr lang="en-BR" dirty="0"/>
+              <a:t>Vim</a:t>
+            </a:r>
+          </a:p>
+        </p:txBody>
+      </p:sp>
+    </p:spTree>
+    <p:extLst>
+      <p:ext uri="{BB962C8B-B14F-4D97-AF65-F5344CB8AC3E}">
+        <p14:creationId xmlns:p14="http://schemas.microsoft.com/office/powerpoint/2010/main" val="3188088763"/>
+      </p:ext>
+    </p:extLst>
+  </p:cSld>
+  <p:clrMapOvr>
+    <a:masterClrMapping/>
+  </p:clrMapOvr>
+</p:sld>
+</file>
+
+<file path=ppt/slides/slide7.xml><?xml version="1.0" encoding="utf-8"?>
+<p:sld xmlns:a="http://schemas.openxmlformats.org/drawingml/2006/main" xmlns:r="http://schemas.openxmlformats.org/officeDocument/2006/relationships" xmlns:p="http://schemas.openxmlformats.org/presentationml/2006/main">
+  <p:cSld>
+    <p:bg>
+      <p:bgPr>
+        <a:blipFill dpi="0" rotWithShape="1">
+          <a:blip r:embed="rId2">
+            <a:lum/>
+          </a:blip>
+          <a:srcRect/>
+          <a:stretch>
+            <a:fillRect/>
+          </a:stretch>
+        </a:blipFill>
+        <a:effectLst/>
+      </p:bgPr>
+    </p:bg>
+    <p:spTree>
+      <p:nvGrpSpPr>
+        <p:cNvPr id="1" name=""/>
+        <p:cNvGrpSpPr/>
+        <p:nvPr/>
+      </p:nvGrpSpPr>
+      <p:grpSpPr>
+        <a:xfrm>
+          <a:off x="0" y="0"/>
+          <a:ext cx="0" cy="0"/>
+          <a:chOff x="0" y="0"/>
+          <a:chExt cx="0" cy="0"/>
+        </a:xfrm>
+      </p:grpSpPr>
+      <p:sp>
+        <p:nvSpPr>
+          <p:cNvPr id="6" name="CaixaDeTexto 5">
+            <a:extLst>
+              <a:ext uri="{FF2B5EF4-FFF2-40B4-BE49-F238E27FC236}">
+                <a16:creationId xmlns:a16="http://schemas.microsoft.com/office/drawing/2014/main" id="{FD74DD8F-86BF-47F5-AAC1-90AB50761B50}"/>
+              </a:ext>
+            </a:extLst>
+          </p:cNvPr>
+          <p:cNvSpPr txBox="1"/>
+          <p:nvPr/>
+        </p:nvSpPr>
+        <p:spPr>
+          <a:xfrm>
+            <a:off x="857250" y="242883"/>
+            <a:ext cx="8701088" cy="369332"/>
+          </a:xfrm>
+          <a:prstGeom prst="rect">
+            <a:avLst/>
+          </a:prstGeom>
+          <a:noFill/>
+        </p:spPr>
+        <p:txBody>
+          <a:bodyPr wrap="square" rtlCol="0">
+            <a:spAutoFit/>
+          </a:bodyPr>
+          <a:lstStyle/>
+          <a:p>
+            <a:r>
+              <a:rPr lang="en-US" sz="1800" b="1" dirty="0" err="1">
+                <a:effectLst/>
+                <a:latin typeface="Calibri" panose="020F0502020204030204" pitchFamily="34" charset="0"/>
+                <a:ea typeface="Times New Roman" panose="02020603050405020304" pitchFamily="18" charset="0"/>
+                <a:cs typeface="Times New Roman" panose="02020603050405020304" pitchFamily="18" charset="0"/>
+              </a:rPr>
+              <a:t>Introdução</a:t>
+            </a:r>
+            <a:r>
+              <a:rPr lang="en-US" sz="1800" b="1" dirty="0">
+                <a:effectLst/>
+                <a:latin typeface="Calibri" panose="020F0502020204030204" pitchFamily="34" charset="0"/>
+                <a:ea typeface="Times New Roman" panose="02020603050405020304" pitchFamily="18" charset="0"/>
+                <a:cs typeface="Times New Roman" panose="02020603050405020304" pitchFamily="18" charset="0"/>
+              </a:rPr>
+              <a:t> </a:t>
+            </a:r>
+            <a:r>
+              <a:rPr lang="en-US" sz="1800" b="1" dirty="0" err="1">
+                <a:effectLst/>
+                <a:latin typeface="Calibri" panose="020F0502020204030204" pitchFamily="34" charset="0"/>
+                <a:ea typeface="Times New Roman" panose="02020603050405020304" pitchFamily="18" charset="0"/>
+                <a:cs typeface="Times New Roman" panose="02020603050405020304" pitchFamily="18" charset="0"/>
+              </a:rPr>
+              <a:t>ao</a:t>
+            </a:r>
+            <a:r>
+              <a:rPr lang="en-US" sz="1800" b="1" dirty="0">
+                <a:effectLst/>
+                <a:latin typeface="Calibri" panose="020F0502020204030204" pitchFamily="34" charset="0"/>
+                <a:ea typeface="Times New Roman" panose="02020603050405020304" pitchFamily="18" charset="0"/>
+                <a:cs typeface="Times New Roman" panose="02020603050405020304" pitchFamily="18" charset="0"/>
+              </a:rPr>
+              <a:t> Quarto</a:t>
+            </a:r>
+            <a:endParaRPr lang="pt-BR" dirty="0">
+              <a:solidFill>
+                <a:schemeClr val="tx1">
+                  <a:lumMod val="50000"/>
+                  <a:lumOff val="50000"/>
+                </a:schemeClr>
+              </a:solidFill>
+            </a:endParaRPr>
+          </a:p>
+        </p:txBody>
+      </p:sp>
+      <p:sp>
+        <p:nvSpPr>
+          <p:cNvPr id="5" name="CaixaDeTexto 4">
+            <a:extLst>
+              <a:ext uri="{FF2B5EF4-FFF2-40B4-BE49-F238E27FC236}">
+                <a16:creationId xmlns:a16="http://schemas.microsoft.com/office/drawing/2014/main" id="{B11EBF32-53A2-4AA0-81E0-813E34CFC691}"/>
+              </a:ext>
+            </a:extLst>
+          </p:cNvPr>
+          <p:cNvSpPr txBox="1"/>
+          <p:nvPr/>
+        </p:nvSpPr>
+        <p:spPr>
+          <a:xfrm>
+            <a:off x="857250" y="732350"/>
+            <a:ext cx="8701088" cy="461665"/>
+          </a:xfrm>
+          <a:prstGeom prst="rect">
+            <a:avLst/>
+          </a:prstGeom>
+          <a:noFill/>
+        </p:spPr>
+        <p:txBody>
+          <a:bodyPr wrap="square" rtlCol="0">
+            <a:spAutoFit/>
+          </a:bodyPr>
+          <a:lstStyle/>
+          <a:p>
+            <a:r>
+              <a:rPr lang="pt-BR" sz="2400" b="1" dirty="0">
+                <a:solidFill>
+                  <a:srgbClr val="F89D52"/>
+                </a:solidFill>
+              </a:rPr>
+              <a:t>Instalação</a:t>
+            </a:r>
+          </a:p>
+        </p:txBody>
+      </p:sp>
+      <p:sp>
+        <p:nvSpPr>
+          <p:cNvPr id="2" name="TextBox 1">
+            <a:extLst>
+              <a:ext uri="{FF2B5EF4-FFF2-40B4-BE49-F238E27FC236}">
+                <a16:creationId xmlns:a16="http://schemas.microsoft.com/office/drawing/2014/main" id="{1EAAEE1C-0FB2-12C9-7086-22A935013475}"/>
+              </a:ext>
+            </a:extLst>
+          </p:cNvPr>
+          <p:cNvSpPr txBox="1"/>
+          <p:nvPr/>
+        </p:nvSpPr>
+        <p:spPr>
+          <a:xfrm>
+            <a:off x="1485900" y="2057400"/>
+            <a:ext cx="7563507" cy="2031325"/>
+          </a:xfrm>
+          <a:prstGeom prst="rect">
+            <a:avLst/>
+          </a:prstGeom>
+          <a:noFill/>
+        </p:spPr>
+        <p:txBody>
+          <a:bodyPr wrap="square" rtlCol="0">
+            <a:spAutoFit/>
+          </a:bodyPr>
+          <a:lstStyle/>
+          <a:p>
+            <a:r>
+              <a:rPr lang="en-BR" dirty="0"/>
+              <a:t>Se você usa R</a:t>
+            </a:r>
+            <a:r>
+              <a:rPr lang="en-US" dirty="0"/>
+              <a:t>s</a:t>
+            </a:r>
+            <a:r>
+              <a:rPr lang="en-BR" dirty="0"/>
+              <a:t>tudio ou Jupyter, as versões recentes já instalam o Quarto. Basta começar a usar. Se usa VSCode, instale a extensão do Quarto.</a:t>
+            </a:r>
+          </a:p>
+          <a:p>
+            <a:r>
+              <a:rPr lang="en-BR" dirty="0"/>
+              <a:t>Caso não veja o Quarto no R</a:t>
+            </a:r>
+            <a:r>
+              <a:rPr lang="en-US" dirty="0"/>
+              <a:t>s</a:t>
+            </a:r>
+            <a:r>
+              <a:rPr lang="en-BR" dirty="0"/>
+              <a:t>tudio, instale você mesma:</a:t>
+            </a:r>
+          </a:p>
+          <a:p>
+            <a:r>
+              <a:rPr lang="en-US" dirty="0">
+                <a:hlinkClick r:id="rId3"/>
+              </a:rPr>
+              <a:t>Instalar o Quarto</a:t>
+            </a:r>
+            <a:endParaRPr lang="en-BR" dirty="0"/>
+          </a:p>
+          <a:p>
+            <a:r>
+              <a:rPr lang="en-BR" dirty="0"/>
+              <a:t>Neste curso, nós usaremos o Quarto no R</a:t>
+            </a:r>
+            <a:r>
+              <a:rPr lang="en-US" dirty="0"/>
+              <a:t>s</a:t>
+            </a:r>
+            <a:r>
+              <a:rPr lang="en-BR" dirty="0"/>
+              <a:t>tudio.</a:t>
+            </a:r>
+          </a:p>
+          <a:p>
+            <a:r>
+              <a:rPr lang="en-BR" dirty="0"/>
+              <a:t>Para criar um documento Quarto, basta abri-lo, como demonstraremos a seguir.</a:t>
+            </a:r>
+          </a:p>
+        </p:txBody>
+      </p:sp>
+    </p:spTree>
+    <p:extLst>
+      <p:ext uri="{BB962C8B-B14F-4D97-AF65-F5344CB8AC3E}">
+        <p14:creationId xmlns:p14="http://schemas.microsoft.com/office/powerpoint/2010/main" val="2030973871"/>
+      </p:ext>
+    </p:extLst>
+  </p:cSld>
+  <p:clrMapOvr>
+    <a:masterClrMapping/>
+  </p:clrMapOvr>
+</p:sld>
+</file>
+
+<file path=ppt/slides/slide8.xml><?xml version="1.0" encoding="utf-8"?>
+<p:sld xmlns:a="http://schemas.openxmlformats.org/drawingml/2006/main" xmlns:r="http://schemas.openxmlformats.org/officeDocument/2006/relationships" xmlns:p="http://schemas.openxmlformats.org/presentationml/2006/main">
+  <p:cSld>
+    <p:bg>
+      <p:bgPr>
+        <a:blipFill dpi="0" rotWithShape="1">
+          <a:blip r:embed="rId2">
+            <a:lum/>
+          </a:blip>
+          <a:srcRect/>
+          <a:stretch>
+            <a:fillRect/>
+          </a:stretch>
+        </a:blipFill>
+        <a:effectLst/>
+      </p:bgPr>
+    </p:bg>
+    <p:spTree>
+      <p:nvGrpSpPr>
+        <p:cNvPr id="1" name=""/>
+        <p:cNvGrpSpPr/>
+        <p:nvPr/>
+      </p:nvGrpSpPr>
+      <p:grpSpPr>
+        <a:xfrm>
+          <a:off x="0" y="0"/>
+          <a:ext cx="0" cy="0"/>
+          <a:chOff x="0" y="0"/>
+          <a:chExt cx="0" cy="0"/>
+        </a:xfrm>
+      </p:grpSpPr>
+      <p:sp>
+        <p:nvSpPr>
+          <p:cNvPr id="6" name="CaixaDeTexto 5">
+            <a:extLst>
+              <a:ext uri="{FF2B5EF4-FFF2-40B4-BE49-F238E27FC236}">
+                <a16:creationId xmlns:a16="http://schemas.microsoft.com/office/drawing/2014/main" id="{FD74DD8F-86BF-47F5-AAC1-90AB50761B50}"/>
+              </a:ext>
+            </a:extLst>
+          </p:cNvPr>
+          <p:cNvSpPr txBox="1"/>
+          <p:nvPr/>
+        </p:nvSpPr>
+        <p:spPr>
+          <a:xfrm>
+            <a:off x="857250" y="242883"/>
+            <a:ext cx="8701088" cy="369332"/>
+          </a:xfrm>
+          <a:prstGeom prst="rect">
+            <a:avLst/>
+          </a:prstGeom>
+          <a:noFill/>
+        </p:spPr>
+        <p:txBody>
+          <a:bodyPr wrap="square" rtlCol="0">
+            <a:spAutoFit/>
+          </a:bodyPr>
+          <a:lstStyle/>
+          <a:p>
+            <a:r>
+              <a:rPr lang="en-US" sz="1800" b="1" dirty="0" err="1">
+                <a:effectLst/>
+                <a:latin typeface="Calibri" panose="020F0502020204030204" pitchFamily="34" charset="0"/>
+                <a:ea typeface="Times New Roman" panose="02020603050405020304" pitchFamily="18" charset="0"/>
+                <a:cs typeface="Times New Roman" panose="02020603050405020304" pitchFamily="18" charset="0"/>
+              </a:rPr>
+              <a:t>Introdução</a:t>
+            </a:r>
+            <a:r>
+              <a:rPr lang="en-US" sz="1800" b="1" dirty="0">
+                <a:effectLst/>
+                <a:latin typeface="Calibri" panose="020F0502020204030204" pitchFamily="34" charset="0"/>
+                <a:ea typeface="Times New Roman" panose="02020603050405020304" pitchFamily="18" charset="0"/>
+                <a:cs typeface="Times New Roman" panose="02020603050405020304" pitchFamily="18" charset="0"/>
+              </a:rPr>
+              <a:t> </a:t>
+            </a:r>
+            <a:r>
+              <a:rPr lang="en-US" sz="1800" b="1" dirty="0" err="1">
+                <a:effectLst/>
+                <a:latin typeface="Calibri" panose="020F0502020204030204" pitchFamily="34" charset="0"/>
+                <a:ea typeface="Times New Roman" panose="02020603050405020304" pitchFamily="18" charset="0"/>
+                <a:cs typeface="Times New Roman" panose="02020603050405020304" pitchFamily="18" charset="0"/>
+              </a:rPr>
+              <a:t>ao</a:t>
+            </a:r>
+            <a:r>
+              <a:rPr lang="en-US" sz="1800" b="1" dirty="0">
+                <a:effectLst/>
+                <a:latin typeface="Calibri" panose="020F0502020204030204" pitchFamily="34" charset="0"/>
+                <a:ea typeface="Times New Roman" panose="02020603050405020304" pitchFamily="18" charset="0"/>
+                <a:cs typeface="Times New Roman" panose="02020603050405020304" pitchFamily="18" charset="0"/>
+              </a:rPr>
+              <a:t> Quarto</a:t>
+            </a:r>
+            <a:endParaRPr lang="pt-BR" dirty="0">
+              <a:solidFill>
+                <a:schemeClr val="tx1">
+                  <a:lumMod val="50000"/>
+                  <a:lumOff val="50000"/>
+                </a:schemeClr>
+              </a:solidFill>
+            </a:endParaRPr>
+          </a:p>
+        </p:txBody>
+      </p:sp>
+      <p:sp>
+        <p:nvSpPr>
+          <p:cNvPr id="5" name="CaixaDeTexto 4">
+            <a:extLst>
+              <a:ext uri="{FF2B5EF4-FFF2-40B4-BE49-F238E27FC236}">
+                <a16:creationId xmlns:a16="http://schemas.microsoft.com/office/drawing/2014/main" id="{B11EBF32-53A2-4AA0-81E0-813E34CFC691}"/>
+              </a:ext>
+            </a:extLst>
+          </p:cNvPr>
+          <p:cNvSpPr txBox="1"/>
+          <p:nvPr/>
+        </p:nvSpPr>
+        <p:spPr>
+          <a:xfrm>
+            <a:off x="857250" y="732350"/>
+            <a:ext cx="8701088" cy="461665"/>
+          </a:xfrm>
+          <a:prstGeom prst="rect">
+            <a:avLst/>
+          </a:prstGeom>
+          <a:noFill/>
+        </p:spPr>
+        <p:txBody>
+          <a:bodyPr wrap="square" rtlCol="0">
+            <a:spAutoFit/>
+          </a:bodyPr>
+          <a:lstStyle/>
+          <a:p>
+            <a:r>
+              <a:rPr lang="pt-BR" sz="2400" b="1" dirty="0">
+                <a:solidFill>
+                  <a:srgbClr val="F89D52"/>
+                </a:solidFill>
+              </a:rPr>
+              <a:t>Visão geral: YAML</a:t>
+            </a:r>
+          </a:p>
+        </p:txBody>
+      </p:sp>
+      <p:sp>
+        <p:nvSpPr>
+          <p:cNvPr id="2" name="TextBox 1">
+            <a:extLst>
+              <a:ext uri="{FF2B5EF4-FFF2-40B4-BE49-F238E27FC236}">
+                <a16:creationId xmlns:a16="http://schemas.microsoft.com/office/drawing/2014/main" id="{1EAAEE1C-0FB2-12C9-7086-22A935013475}"/>
+              </a:ext>
+            </a:extLst>
+          </p:cNvPr>
+          <p:cNvSpPr txBox="1"/>
+          <p:nvPr/>
+        </p:nvSpPr>
+        <p:spPr>
+          <a:xfrm>
+            <a:off x="1485900" y="2057400"/>
+            <a:ext cx="7563507" cy="2031325"/>
+          </a:xfrm>
+          <a:prstGeom prst="rect">
+            <a:avLst/>
+          </a:prstGeom>
+          <a:noFill/>
+        </p:spPr>
+        <p:txBody>
+          <a:bodyPr wrap="square" rtlCol="0">
+            <a:spAutoFit/>
+          </a:bodyPr>
+          <a:lstStyle/>
+          <a:p>
+            <a:r>
+              <a:rPr lang="en-BR" dirty="0"/>
+              <a:t>Yaml: </a:t>
+            </a:r>
+            <a:r>
+              <a:rPr lang="en-US" dirty="0"/>
+              <a:t>YAML </a:t>
+            </a:r>
+            <a:r>
+              <a:rPr lang="en-US" dirty="0" err="1"/>
+              <a:t>Ain't</a:t>
+            </a:r>
+            <a:r>
+              <a:rPr lang="en-US" dirty="0"/>
+              <a:t> Markup Language™</a:t>
+            </a:r>
+          </a:p>
+          <a:p>
+            <a:pPr marL="285750" indent="-285750">
+              <a:buFont typeface="Arial" panose="020B0604020202020204" pitchFamily="34" charset="0"/>
+              <a:buChar char="•"/>
+            </a:pPr>
+            <a:r>
+              <a:rPr lang="en-US" dirty="0" err="1"/>
+              <a:t>Título</a:t>
+            </a:r>
+            <a:endParaRPr lang="en-US" dirty="0"/>
+          </a:p>
+          <a:p>
+            <a:pPr marL="285750" indent="-285750">
+              <a:buFont typeface="Arial" panose="020B0604020202020204" pitchFamily="34" charset="0"/>
+              <a:buChar char="•"/>
+            </a:pPr>
+            <a:r>
+              <a:rPr lang="en-US" dirty="0"/>
+              <a:t>Autor</a:t>
+            </a:r>
+          </a:p>
+          <a:p>
+            <a:pPr marL="285750" indent="-285750">
+              <a:buFont typeface="Arial" panose="020B0604020202020204" pitchFamily="34" charset="0"/>
+              <a:buChar char="•"/>
+            </a:pPr>
+            <a:r>
+              <a:rPr lang="en-US" dirty="0" err="1"/>
+              <a:t>Subtitulo</a:t>
+            </a:r>
+            <a:endParaRPr lang="en-US" dirty="0"/>
+          </a:p>
+          <a:p>
+            <a:pPr marL="285750" indent="-285750">
+              <a:buFont typeface="Arial" panose="020B0604020202020204" pitchFamily="34" charset="0"/>
+              <a:buChar char="•"/>
+            </a:pPr>
+            <a:r>
+              <a:rPr lang="en-US" dirty="0"/>
+              <a:t>Format: html, pdf, Word</a:t>
+            </a:r>
+          </a:p>
+          <a:p>
+            <a:pPr marL="285750" indent="-285750">
+              <a:buFont typeface="Arial" panose="020B0604020202020204" pitchFamily="34" charset="0"/>
+              <a:buChar char="•"/>
+            </a:pPr>
+            <a:r>
+              <a:rPr lang="en-US" dirty="0"/>
+              <a:t>Editor: visual, source</a:t>
+            </a:r>
+          </a:p>
+          <a:p>
+            <a:pPr marL="285750" indent="-285750">
+              <a:buFont typeface="Arial" panose="020B0604020202020204" pitchFamily="34" charset="0"/>
+              <a:buChar char="•"/>
+            </a:pPr>
+            <a:r>
+              <a:rPr lang="en-US" dirty="0"/>
+              <a:t>Date :  “`r </a:t>
+            </a:r>
+            <a:r>
+              <a:rPr lang="en-US" dirty="0" err="1"/>
+              <a:t>Sys.Date</a:t>
+            </a:r>
+            <a:r>
+              <a:rPr lang="en-US" dirty="0"/>
+              <a:t>()`”</a:t>
+            </a:r>
+          </a:p>
+        </p:txBody>
+      </p:sp>
+    </p:spTree>
+    <p:extLst>
+      <p:ext uri="{BB962C8B-B14F-4D97-AF65-F5344CB8AC3E}">
+        <p14:creationId xmlns:p14="http://schemas.microsoft.com/office/powerpoint/2010/main" val="259280815"/>
+      </p:ext>
+    </p:extLst>
+  </p:cSld>
+  <p:clrMapOvr>
+    <a:masterClrMapping/>
+  </p:clrMapOvr>
+</p:sld>
+</file>
+
+<file path=ppt/slides/slide9.xml><?xml version="1.0" encoding="utf-8"?>
+<p:sld xmlns:a="http://schemas.openxmlformats.org/drawingml/2006/main" xmlns:r="http://schemas.openxmlformats.org/officeDocument/2006/relationships" xmlns:p="http://schemas.openxmlformats.org/presentationml/2006/main">
+  <p:cSld>
+    <p:bg>
+      <p:bgPr>
+        <a:blipFill dpi="0" rotWithShape="1">
+          <a:blip r:embed="rId2">
+            <a:lum/>
+          </a:blip>
+          <a:srcRect/>
+          <a:stretch>
+            <a:fillRect/>
+          </a:stretch>
+        </a:blipFill>
+        <a:effectLst/>
+      </p:bgPr>
+    </p:bg>
+    <p:spTree>
+      <p:nvGrpSpPr>
+        <p:cNvPr id="1" name=""/>
+        <p:cNvGrpSpPr/>
+        <p:nvPr/>
+      </p:nvGrpSpPr>
+      <p:grpSpPr>
+        <a:xfrm>
+          <a:off x="0" y="0"/>
+          <a:ext cx="0" cy="0"/>
+          <a:chOff x="0" y="0"/>
+          <a:chExt cx="0" cy="0"/>
+        </a:xfrm>
+      </p:grpSpPr>
+      <p:sp>
+        <p:nvSpPr>
+          <p:cNvPr id="6" name="CaixaDeTexto 5">
+            <a:extLst>
+              <a:ext uri="{FF2B5EF4-FFF2-40B4-BE49-F238E27FC236}">
+                <a16:creationId xmlns:a16="http://schemas.microsoft.com/office/drawing/2014/main" id="{FD74DD8F-86BF-47F5-AAC1-90AB50761B50}"/>
+              </a:ext>
+            </a:extLst>
+          </p:cNvPr>
+          <p:cNvSpPr txBox="1"/>
+          <p:nvPr/>
+        </p:nvSpPr>
+        <p:spPr>
+          <a:xfrm>
+            <a:off x="857250" y="242883"/>
+            <a:ext cx="8701088" cy="369332"/>
+          </a:xfrm>
+          <a:prstGeom prst="rect">
+            <a:avLst/>
+          </a:prstGeom>
+          <a:noFill/>
+        </p:spPr>
+        <p:txBody>
+          <a:bodyPr wrap="square" rtlCol="0">
+            <a:spAutoFit/>
+          </a:bodyPr>
+          <a:lstStyle/>
+          <a:p>
+            <a:r>
+              <a:rPr lang="en-US" sz="1800" b="1" dirty="0" err="1">
+                <a:effectLst/>
+                <a:latin typeface="Calibri" panose="020F0502020204030204" pitchFamily="34" charset="0"/>
+                <a:ea typeface="Times New Roman" panose="02020603050405020304" pitchFamily="18" charset="0"/>
+                <a:cs typeface="Times New Roman" panose="02020603050405020304" pitchFamily="18" charset="0"/>
+              </a:rPr>
+              <a:t>Introdução</a:t>
+            </a:r>
+            <a:r>
+              <a:rPr lang="en-US" sz="1800" b="1" dirty="0">
+                <a:effectLst/>
+                <a:latin typeface="Calibri" panose="020F0502020204030204" pitchFamily="34" charset="0"/>
+                <a:ea typeface="Times New Roman" panose="02020603050405020304" pitchFamily="18" charset="0"/>
+                <a:cs typeface="Times New Roman" panose="02020603050405020304" pitchFamily="18" charset="0"/>
+              </a:rPr>
+              <a:t> </a:t>
+            </a:r>
+            <a:r>
+              <a:rPr lang="en-US" sz="1800" b="1" dirty="0" err="1">
+                <a:effectLst/>
+                <a:latin typeface="Calibri" panose="020F0502020204030204" pitchFamily="34" charset="0"/>
+                <a:ea typeface="Times New Roman" panose="02020603050405020304" pitchFamily="18" charset="0"/>
+                <a:cs typeface="Times New Roman" panose="02020603050405020304" pitchFamily="18" charset="0"/>
+              </a:rPr>
+              <a:t>ao</a:t>
+            </a:r>
+            <a:r>
+              <a:rPr lang="en-US" sz="1800" b="1" dirty="0">
+                <a:effectLst/>
+                <a:latin typeface="Calibri" panose="020F0502020204030204" pitchFamily="34" charset="0"/>
+                <a:ea typeface="Times New Roman" panose="02020603050405020304" pitchFamily="18" charset="0"/>
+                <a:cs typeface="Times New Roman" panose="02020603050405020304" pitchFamily="18" charset="0"/>
+              </a:rPr>
+              <a:t> Quarto</a:t>
+            </a:r>
+            <a:endParaRPr lang="pt-BR" dirty="0">
+              <a:solidFill>
+                <a:schemeClr val="tx1">
+                  <a:lumMod val="50000"/>
+                  <a:lumOff val="50000"/>
+                </a:schemeClr>
+              </a:solidFill>
+            </a:endParaRPr>
+          </a:p>
+        </p:txBody>
+      </p:sp>
+      <p:sp>
+        <p:nvSpPr>
+          <p:cNvPr id="5" name="CaixaDeTexto 4">
+            <a:extLst>
+              <a:ext uri="{FF2B5EF4-FFF2-40B4-BE49-F238E27FC236}">
+                <a16:creationId xmlns:a16="http://schemas.microsoft.com/office/drawing/2014/main" id="{B11EBF32-53A2-4AA0-81E0-813E34CFC691}"/>
+              </a:ext>
+            </a:extLst>
+          </p:cNvPr>
+          <p:cNvSpPr txBox="1"/>
+          <p:nvPr/>
+        </p:nvSpPr>
+        <p:spPr>
+          <a:xfrm>
+            <a:off x="857250" y="732350"/>
+            <a:ext cx="8701088" cy="461665"/>
+          </a:xfrm>
+          <a:prstGeom prst="rect">
+            <a:avLst/>
+          </a:prstGeom>
+          <a:noFill/>
+        </p:spPr>
+        <p:txBody>
+          <a:bodyPr wrap="square" rtlCol="0">
+            <a:spAutoFit/>
+          </a:bodyPr>
+          <a:lstStyle/>
+          <a:p>
+            <a:r>
+              <a:rPr lang="pt-BR" sz="2400" b="1" dirty="0">
+                <a:solidFill>
+                  <a:srgbClr val="F89D52"/>
+                </a:solidFill>
+              </a:rPr>
+              <a:t>Opções do visual</a:t>
+            </a:r>
+          </a:p>
+        </p:txBody>
+      </p:sp>
+      <p:sp>
+        <p:nvSpPr>
+          <p:cNvPr id="2" name="TextBox 1">
+            <a:extLst>
+              <a:ext uri="{FF2B5EF4-FFF2-40B4-BE49-F238E27FC236}">
+                <a16:creationId xmlns:a16="http://schemas.microsoft.com/office/drawing/2014/main" id="{1EAAEE1C-0FB2-12C9-7086-22A935013475}"/>
+              </a:ext>
+            </a:extLst>
+          </p:cNvPr>
+          <p:cNvSpPr txBox="1"/>
+          <p:nvPr/>
+        </p:nvSpPr>
+        <p:spPr>
+          <a:xfrm>
+            <a:off x="1485900" y="2057400"/>
+            <a:ext cx="7563507" cy="2308324"/>
+          </a:xfrm>
+          <a:prstGeom prst="rect">
+            <a:avLst/>
+          </a:prstGeom>
+          <a:noFill/>
+        </p:spPr>
+        <p:txBody>
+          <a:bodyPr wrap="square" rtlCol="0">
+            <a:spAutoFit/>
+          </a:bodyPr>
+          <a:lstStyle/>
+          <a:p>
+            <a:r>
+              <a:rPr lang="en-US" dirty="0" err="1"/>
+              <a:t>Vamos</a:t>
+            </a:r>
+            <a:r>
+              <a:rPr lang="en-US" dirty="0"/>
+              <a:t> </a:t>
+            </a:r>
+            <a:r>
+              <a:rPr lang="en-US" dirty="0" err="1"/>
+              <a:t>explorar</a:t>
+            </a:r>
+            <a:r>
+              <a:rPr lang="en-US" dirty="0"/>
+              <a:t> as </a:t>
+            </a:r>
+            <a:r>
+              <a:rPr lang="en-US" dirty="0" err="1"/>
+              <a:t>opções</a:t>
+            </a:r>
+            <a:r>
+              <a:rPr lang="en-US" dirty="0"/>
+              <a:t> do visual:</a:t>
+            </a:r>
+          </a:p>
+          <a:p>
+            <a:pPr marL="285750" indent="-285750">
+              <a:buFont typeface="Arial" panose="020B0604020202020204" pitchFamily="34" charset="0"/>
+              <a:buChar char="•"/>
+            </a:pPr>
+            <a:r>
+              <a:rPr lang="en-US" dirty="0"/>
+              <a:t>Negrito</a:t>
+            </a:r>
+          </a:p>
+          <a:p>
+            <a:pPr marL="285750" indent="-285750">
+              <a:buFont typeface="Arial" panose="020B0604020202020204" pitchFamily="34" charset="0"/>
+              <a:buChar char="•"/>
+            </a:pPr>
+            <a:r>
+              <a:rPr lang="en-US" dirty="0" err="1"/>
+              <a:t>Itálico</a:t>
+            </a:r>
+            <a:endParaRPr lang="en-US" dirty="0"/>
+          </a:p>
+          <a:p>
+            <a:pPr marL="285750" indent="-285750">
+              <a:buFont typeface="Arial" panose="020B0604020202020204" pitchFamily="34" charset="0"/>
+              <a:buChar char="•"/>
+            </a:pPr>
+            <a:r>
+              <a:rPr lang="en-US" dirty="0"/>
+              <a:t>Código</a:t>
+            </a:r>
+          </a:p>
+          <a:p>
+            <a:pPr marL="285750" indent="-285750">
+              <a:buFont typeface="Arial" panose="020B0604020202020204" pitchFamily="34" charset="0"/>
+              <a:buChar char="•"/>
+            </a:pPr>
+            <a:r>
+              <a:rPr lang="en-US" dirty="0" err="1"/>
+              <a:t>Títulos</a:t>
+            </a:r>
+            <a:endParaRPr lang="en-US" dirty="0"/>
+          </a:p>
+          <a:p>
+            <a:pPr marL="285750" indent="-285750">
+              <a:buFont typeface="Arial" panose="020B0604020202020204" pitchFamily="34" charset="0"/>
+              <a:buChar char="•"/>
+            </a:pPr>
+            <a:r>
+              <a:rPr lang="en-US" dirty="0" err="1"/>
+              <a:t>Pontos</a:t>
+            </a:r>
+            <a:endParaRPr lang="en-US" dirty="0"/>
+          </a:p>
+          <a:p>
+            <a:pPr marL="285750" indent="-285750">
+              <a:buFont typeface="Arial" panose="020B0604020202020204" pitchFamily="34" charset="0"/>
+              <a:buChar char="•"/>
+            </a:pPr>
+            <a:r>
+              <a:rPr lang="en-US" dirty="0"/>
+              <a:t>Links</a:t>
+            </a:r>
+          </a:p>
+          <a:p>
+            <a:pPr marL="285750" indent="-285750">
+              <a:buFont typeface="Arial" panose="020B0604020202020204" pitchFamily="34" charset="0"/>
+              <a:buChar char="•"/>
+            </a:pPr>
+            <a:r>
+              <a:rPr lang="en-US" dirty="0"/>
+              <a:t>Imagens</a:t>
+            </a:r>
+          </a:p>
+        </p:txBody>
+      </p:sp>
+    </p:spTree>
+    <p:extLst>
+      <p:ext uri="{BB962C8B-B14F-4D97-AF65-F5344CB8AC3E}">
+        <p14:creationId xmlns:p14="http://schemas.microsoft.com/office/powerpoint/2010/main" val="1844694861"/>
       </p:ext>
     </p:extLst>
   </p:cSld>
@@ -4920,12 +6831,9 @@
 </file>
 
 <file path=customXml/item1.xml><?xml version="1.0" encoding="utf-8"?>
-<?mso-contentType ?>
-<FormTemplates xmlns="http://schemas.microsoft.com/sharepoint/v3/contenttype/forms">
-  <Display>DocumentLibraryForm</Display>
-  <Edit>DocumentLibraryForm</Edit>
-  <New>DocumentLibraryForm</New>
-</FormTemplates>
+<p:properties xmlns:p="http://schemas.microsoft.com/office/2006/metadata/properties" xmlns:xsi="http://www.w3.org/2001/XMLSchema-instance" xmlns:pc="http://schemas.microsoft.com/office/infopath/2007/PartnerControls">
+  <documentManagement/>
+</p:properties>
 </file>
 
 <file path=customXml/item2.xml><?xml version="1.0" encoding="utf-8"?>
@@ -5152,15 +7060,19 @@
 </file>
 
 <file path=customXml/item3.xml><?xml version="1.0" encoding="utf-8"?>
-<p:properties xmlns:p="http://schemas.microsoft.com/office/2006/metadata/properties" xmlns:xsi="http://www.w3.org/2001/XMLSchema-instance" xmlns:pc="http://schemas.microsoft.com/office/infopath/2007/PartnerControls">
-  <documentManagement/>
-</p:properties>
+<?mso-contentType ?>
+<FormTemplates xmlns="http://schemas.microsoft.com/sharepoint/v3/contenttype/forms">
+  <Display>DocumentLibraryForm</Display>
+  <Edit>DocumentLibraryForm</Edit>
+  <New>DocumentLibraryForm</New>
+</FormTemplates>
 </file>
 
 <file path=customXml/itemProps1.xml><?xml version="1.0" encoding="utf-8"?>
-<ds:datastoreItem xmlns:ds="http://schemas.openxmlformats.org/officeDocument/2006/customXml" ds:itemID="{C93AB009-85E6-4239-AC8C-C86D3B154216}">
+<ds:datastoreItem xmlns:ds="http://schemas.openxmlformats.org/officeDocument/2006/customXml" ds:itemID="{920BCD7E-6E16-45AA-A42B-4440105DD30B}">
   <ds:schemaRefs>
-    <ds:schemaRef ds:uri="http://schemas.microsoft.com/sharepoint/v3/contenttype/forms"/>
+    <ds:schemaRef ds:uri="http://schemas.microsoft.com/office/2006/metadata/properties"/>
+    <ds:schemaRef ds:uri="http://schemas.microsoft.com/office/infopath/2007/PartnerControls"/>
   </ds:schemaRefs>
 </ds:datastoreItem>
 </file>
@@ -5185,10 +7097,9 @@
 </file>
 
 <file path=customXml/itemProps3.xml><?xml version="1.0" encoding="utf-8"?>
-<ds:datastoreItem xmlns:ds="http://schemas.openxmlformats.org/officeDocument/2006/customXml" ds:itemID="{920BCD7E-6E16-45AA-A42B-4440105DD30B}">
+<ds:datastoreItem xmlns:ds="http://schemas.openxmlformats.org/officeDocument/2006/customXml" ds:itemID="{C93AB009-85E6-4239-AC8C-C86D3B154216}">
   <ds:schemaRefs>
-    <ds:schemaRef ds:uri="http://schemas.microsoft.com/office/2006/metadata/properties"/>
-    <ds:schemaRef ds:uri="http://schemas.microsoft.com/office/infopath/2007/PartnerControls"/>
+    <ds:schemaRef ds:uri="http://schemas.microsoft.com/sharepoint/v3/contenttype/forms"/>
   </ds:schemaRefs>
 </ds:datastoreItem>
 </file>